--- a/Docs/[자유시간쿠키맛] WK_메인 로비 기능.pptx
+++ b/Docs/[자유시간쿠키맛] WK_메인 로비 기능.pptx
@@ -5,15 +5,16 @@
     <p:sldMasterId id="2147483648" r:id="rId1"/>
   </p:sldMasterIdLst>
   <p:notesMasterIdLst>
-    <p:notesMasterId r:id="rId8"/>
+    <p:notesMasterId r:id="rId9"/>
   </p:notesMasterIdLst>
   <p:sldIdLst>
     <p:sldId id="269" r:id="rId2"/>
     <p:sldId id="270" r:id="rId3"/>
     <p:sldId id="369" r:id="rId4"/>
     <p:sldId id="373" r:id="rId5"/>
-    <p:sldId id="372" r:id="rId6"/>
-    <p:sldId id="366" r:id="rId7"/>
+    <p:sldId id="374" r:id="rId6"/>
+    <p:sldId id="372" r:id="rId7"/>
+    <p:sldId id="366" r:id="rId8"/>
   </p:sldIdLst>
   <p:sldSz cx="12192000" cy="6858000"/>
   <p:notesSz cx="6858000" cy="9144000"/>
@@ -752,7 +753,7 @@
     </p:spTree>
     <p:extLst>
       <p:ext uri="{BB962C8B-B14F-4D97-AF65-F5344CB8AC3E}">
-        <p14:creationId xmlns:p14="http://schemas.microsoft.com/office/powerpoint/2010/main" val="888816520"/>
+        <p14:creationId xmlns:p14="http://schemas.microsoft.com/office/powerpoint/2010/main" val="425405344"/>
       </p:ext>
     </p:extLst>
   </p:cSld>
@@ -828,6 +829,90 @@
             <a:fld id="{1D865509-D8F5-4C2B-83CE-8719DB429044}" type="slidenum">
               <a:rPr lang="ko-KR" altLang="en-US" smtClean="0"/>
               <a:t>6</a:t>
+            </a:fld>
+            <a:endParaRPr lang="ko-KR" altLang="en-US"/>
+          </a:p>
+        </p:txBody>
+      </p:sp>
+    </p:spTree>
+    <p:extLst>
+      <p:ext uri="{BB962C8B-B14F-4D97-AF65-F5344CB8AC3E}">
+        <p14:creationId xmlns:p14="http://schemas.microsoft.com/office/powerpoint/2010/main" val="888816520"/>
+      </p:ext>
+    </p:extLst>
+  </p:cSld>
+  <p:clrMapOvr>
+    <a:masterClrMapping/>
+  </p:clrMapOvr>
+</p:notes>
+</file>
+
+<file path=ppt/notesSlides/notesSlide5.xml><?xml version="1.0" encoding="utf-8"?>
+<p:notes xmlns:a="http://schemas.openxmlformats.org/drawingml/2006/main" xmlns:r="http://schemas.openxmlformats.org/officeDocument/2006/relationships" xmlns:p="http://schemas.openxmlformats.org/presentationml/2006/main">
+  <p:cSld>
+    <p:spTree>
+      <p:nvGrpSpPr>
+        <p:cNvPr id="1" name=""/>
+        <p:cNvGrpSpPr/>
+        <p:nvPr/>
+      </p:nvGrpSpPr>
+      <p:grpSpPr>
+        <a:xfrm>
+          <a:off x="0" y="0"/>
+          <a:ext cx="0" cy="0"/>
+          <a:chOff x="0" y="0"/>
+          <a:chExt cx="0" cy="0"/>
+        </a:xfrm>
+      </p:grpSpPr>
+      <p:sp>
+        <p:nvSpPr>
+          <p:cNvPr id="2" name="슬라이드 이미지 개체 틀 1"/>
+          <p:cNvSpPr>
+            <a:spLocks noGrp="1" noRot="1" noChangeAspect="1"/>
+          </p:cNvSpPr>
+          <p:nvPr>
+            <p:ph type="sldImg"/>
+          </p:nvPr>
+        </p:nvSpPr>
+        <p:spPr/>
+      </p:sp>
+      <p:sp>
+        <p:nvSpPr>
+          <p:cNvPr id="3" name="슬라이드 노트 개체 틀 2"/>
+          <p:cNvSpPr>
+            <a:spLocks noGrp="1"/>
+          </p:cNvSpPr>
+          <p:nvPr>
+            <p:ph type="body" idx="1"/>
+          </p:nvPr>
+        </p:nvSpPr>
+        <p:spPr/>
+        <p:txBody>
+          <a:bodyPr/>
+          <a:lstStyle/>
+          <a:p>
+            <a:endParaRPr lang="ko-KR" altLang="en-US" dirty="0"/>
+          </a:p>
+        </p:txBody>
+      </p:sp>
+      <p:sp>
+        <p:nvSpPr>
+          <p:cNvPr id="4" name="슬라이드 번호 개체 틀 3"/>
+          <p:cNvSpPr>
+            <a:spLocks noGrp="1"/>
+          </p:cNvSpPr>
+          <p:nvPr>
+            <p:ph type="sldNum" sz="quarter" idx="5"/>
+          </p:nvPr>
+        </p:nvSpPr>
+        <p:spPr/>
+        <p:txBody>
+          <a:bodyPr/>
+          <a:lstStyle/>
+          <a:p>
+            <a:fld id="{1D865509-D8F5-4C2B-83CE-8719DB429044}" type="slidenum">
+              <a:rPr lang="ko-KR" altLang="en-US" smtClean="0"/>
+              <a:t>7</a:t>
             </a:fld>
             <a:endParaRPr lang="ko-KR" altLang="en-US"/>
           </a:p>
@@ -2948,10 +3033,10 @@
         </p:nvGrpSpPr>
         <p:grpSpPr>
           <a:xfrm>
-            <a:off x="1036301" y="1477294"/>
-            <a:ext cx="9727307" cy="3836681"/>
-            <a:chOff x="985501" y="1985165"/>
-            <a:chExt cx="9727307" cy="3836681"/>
+            <a:off x="1232346" y="1112338"/>
+            <a:ext cx="9727307" cy="4633324"/>
+            <a:chOff x="985501" y="3599815"/>
+            <a:chExt cx="9727307" cy="4633324"/>
           </a:xfrm>
         </p:grpSpPr>
         <p:sp>
@@ -2968,8 +3053,8 @@
           </p:nvSpPr>
           <p:spPr>
             <a:xfrm>
-              <a:off x="985501" y="1985165"/>
-              <a:ext cx="4279291" cy="1214274"/>
+              <a:off x="985501" y="5866863"/>
+              <a:ext cx="5232152" cy="2366276"/>
             </a:xfrm>
             <a:prstGeom prst="rect">
               <a:avLst/>
@@ -3068,7 +3153,7 @@
                   <a:latin typeface="나눔스퀘어_ac Light" panose="020B0600000101010101" pitchFamily="50" charset="-127"/>
                   <a:ea typeface="나눔스퀘어_ac Light" panose="020B0600000101010101" pitchFamily="50" charset="-127"/>
                 </a:rPr>
-                <a:t>모바일 게임과는 다른 역할 수행</a:t>
+                <a:t>모바일 게임에서의 메인 로비</a:t>
               </a:r>
               <a:endParaRPr lang="en-US" altLang="ko-KR" sz="800" dirty="0">
                 <a:solidFill>
@@ -3092,7 +3177,133 @@
                   <a:latin typeface="나눔스퀘어_ac Light" panose="020B0600000101010101" pitchFamily="50" charset="-127"/>
                   <a:ea typeface="나눔스퀘어_ac Light" panose="020B0600000101010101" pitchFamily="50" charset="-127"/>
                 </a:rPr>
-                <a:t>계속 틀어 둘 수 없는 </a:t>
+                <a:t>지속적으로 게임을 틀어 둔 상태에서</a:t>
+              </a:r>
+              <a:r>
+                <a:rPr lang="en-US" altLang="ko-KR" sz="800" dirty="0">
+                  <a:solidFill>
+                    <a:schemeClr val="bg1"/>
+                  </a:solidFill>
+                  <a:latin typeface="나눔스퀘어_ac Light" panose="020B0600000101010101" pitchFamily="50" charset="-127"/>
+                  <a:ea typeface="나눔스퀘어_ac Light" panose="020B0600000101010101" pitchFamily="50" charset="-127"/>
+                </a:rPr>
+                <a:t>, </a:t>
+              </a:r>
+              <a:r>
+                <a:rPr lang="ko-KR" altLang="en-US" sz="800" dirty="0">
+                  <a:solidFill>
+                    <a:schemeClr val="bg1"/>
+                  </a:solidFill>
+                  <a:latin typeface="나눔스퀘어_ac Light" panose="020B0600000101010101" pitchFamily="50" charset="-127"/>
+                  <a:ea typeface="나눔스퀘어_ac Light" panose="020B0600000101010101" pitchFamily="50" charset="-127"/>
+                </a:rPr>
+                <a:t>획득한 캐릭터 및 해금한 컨텐츠를 시각적인 확인</a:t>
+              </a:r>
+              <a:endParaRPr lang="en-US" altLang="ko-KR" sz="800" dirty="0">
+                <a:solidFill>
+                  <a:schemeClr val="bg1"/>
+                </a:solidFill>
+                <a:latin typeface="나눔스퀘어_ac Light" panose="020B0600000101010101" pitchFamily="50" charset="-127"/>
+                <a:ea typeface="나눔스퀘어_ac Light" panose="020B0600000101010101" pitchFamily="50" charset="-127"/>
+              </a:endParaRPr>
+            </a:p>
+            <a:p>
+              <a:pPr marL="628650" lvl="1" indent="-171450">
+                <a:buFont typeface="Wingdings" panose="05000000000000000000" pitchFamily="2" charset="2"/>
+                <a:buChar char="ü"/>
+                <a:defRPr/>
+              </a:pPr>
+              <a:r>
+                <a:rPr lang="ko-KR" altLang="en-US" sz="800" dirty="0">
+                  <a:solidFill>
+                    <a:schemeClr val="bg1"/>
+                  </a:solidFill>
+                  <a:latin typeface="나눔스퀘어_ac Light" panose="020B0600000101010101" pitchFamily="50" charset="-127"/>
+                  <a:ea typeface="나눔스퀘어_ac Light" panose="020B0600000101010101" pitchFamily="50" charset="-127"/>
+                </a:rPr>
+                <a:t>캐릭터 애정 및 하우징 시스템을 통한 감성과 보상 부여를 통해 접속 유지 및 </a:t>
+              </a:r>
+              <a:r>
+                <a:rPr lang="ko-KR" altLang="en-US" sz="800" dirty="0" err="1">
+                  <a:solidFill>
+                    <a:schemeClr val="bg1"/>
+                  </a:solidFill>
+                  <a:latin typeface="나눔스퀘어_ac Light" panose="020B0600000101010101" pitchFamily="50" charset="-127"/>
+                  <a:ea typeface="나눔스퀘어_ac Light" panose="020B0600000101010101" pitchFamily="50" charset="-127"/>
+                </a:rPr>
+                <a:t>리텐션</a:t>
+              </a:r>
+              <a:r>
+                <a:rPr lang="ko-KR" altLang="en-US" sz="800" dirty="0">
+                  <a:solidFill>
+                    <a:schemeClr val="bg1"/>
+                  </a:solidFill>
+                  <a:latin typeface="나눔스퀘어_ac Light" panose="020B0600000101010101" pitchFamily="50" charset="-127"/>
+                  <a:ea typeface="나눔스퀘어_ac Light" panose="020B0600000101010101" pitchFamily="50" charset="-127"/>
+                </a:rPr>
+                <a:t> 확보 유도</a:t>
+              </a:r>
+              <a:endParaRPr lang="en-US" altLang="ko-KR" sz="800" dirty="0">
+                <a:solidFill>
+                  <a:schemeClr val="bg1"/>
+                </a:solidFill>
+                <a:latin typeface="나눔스퀘어_ac Light" panose="020B0600000101010101" pitchFamily="50" charset="-127"/>
+                <a:ea typeface="나눔스퀘어_ac Light" panose="020B0600000101010101" pitchFamily="50" charset="-127"/>
+              </a:endParaRPr>
+            </a:p>
+            <a:p>
+              <a:pPr marL="171450" indent="-171450">
+                <a:buFont typeface="Wingdings" panose="05000000000000000000" pitchFamily="2" charset="2"/>
+                <a:buChar char="ü"/>
+                <a:defRPr/>
+              </a:pPr>
+              <a:endParaRPr lang="en-US" altLang="ko-KR" sz="800" dirty="0">
+                <a:solidFill>
+                  <a:schemeClr val="bg1"/>
+                </a:solidFill>
+                <a:latin typeface="나눔스퀘어_ac Light" panose="020B0600000101010101" pitchFamily="50" charset="-127"/>
+                <a:ea typeface="나눔스퀘어_ac Light" panose="020B0600000101010101" pitchFamily="50" charset="-127"/>
+              </a:endParaRPr>
+            </a:p>
+            <a:p>
+              <a:pPr marL="171450" indent="-171450">
+                <a:buFont typeface="Arial" panose="020B0604020202020204" pitchFamily="34" charset="0"/>
+                <a:buChar char="•"/>
+                <a:defRPr/>
+              </a:pPr>
+              <a:r>
+                <a:rPr lang="ko-KR" altLang="en-US" sz="800" dirty="0">
+                  <a:solidFill>
+                    <a:schemeClr val="bg1"/>
+                  </a:solidFill>
+                  <a:latin typeface="나눔스퀘어_ac Light" panose="020B0600000101010101" pitchFamily="50" charset="-127"/>
+                  <a:ea typeface="나눔스퀘어_ac Light" panose="020B0600000101010101" pitchFamily="50" charset="-127"/>
+                </a:rPr>
+                <a:t>모바일 플랫폼과 다른 현재 상태</a:t>
+              </a:r>
+              <a:endParaRPr lang="en-US" altLang="ko-KR" sz="800" dirty="0">
+                <a:solidFill>
+                  <a:schemeClr val="bg1"/>
+                </a:solidFill>
+                <a:latin typeface="나눔스퀘어_ac Light" panose="020B0600000101010101" pitchFamily="50" charset="-127"/>
+                <a:ea typeface="나눔스퀘어_ac Light" panose="020B0600000101010101" pitchFamily="50" charset="-127"/>
+              </a:endParaRPr>
+            </a:p>
+            <a:p>
+              <a:pPr marL="628650" lvl="1" indent="-171450">
+                <a:buFont typeface="Wingdings" panose="05000000000000000000" pitchFamily="2" charset="2"/>
+                <a:buChar char="ü"/>
+                <a:defRPr/>
+              </a:pPr>
+              <a:r>
+                <a:rPr lang="ko-KR" altLang="en-US" sz="800" dirty="0">
+                  <a:solidFill>
+                    <a:schemeClr val="bg1"/>
+                  </a:solidFill>
+                  <a:latin typeface="나눔스퀘어_ac Light" panose="020B0600000101010101" pitchFamily="50" charset="-127"/>
+                  <a:ea typeface="나눔스퀘어_ac Light" panose="020B0600000101010101" pitchFamily="50" charset="-127"/>
+                </a:rPr>
+                <a:t>지속적으로 접속할 수 없는 </a:t>
               </a:r>
               <a:r>
                 <a:rPr lang="en-US" altLang="ko-KR" sz="800" dirty="0">
@@ -3143,6 +3354,50 @@
                   <a:ea typeface="나눔스퀘어_ac Light" panose="020B0600000101010101" pitchFamily="50" charset="-127"/>
                 </a:rPr>
                 <a:t>실질적인 의미가 필요</a:t>
+              </a:r>
+              <a:endParaRPr lang="en-US" altLang="ko-KR" sz="900" b="1" dirty="0">
+                <a:solidFill>
+                  <a:schemeClr val="accent6"/>
+                </a:solidFill>
+                <a:latin typeface="나눔스퀘어_ac Light" panose="020B0600000101010101" pitchFamily="50" charset="-127"/>
+                <a:ea typeface="나눔스퀘어_ac Light" panose="020B0600000101010101" pitchFamily="50" charset="-127"/>
+              </a:endParaRPr>
+            </a:p>
+            <a:p>
+              <a:pPr marL="628650" lvl="1" indent="-171450">
+                <a:buFont typeface="Wingdings" panose="05000000000000000000" pitchFamily="2" charset="2"/>
+                <a:buChar char="ü"/>
+                <a:defRPr/>
+              </a:pPr>
+              <a:r>
+                <a:rPr lang="ko-KR" altLang="en-US" sz="800" dirty="0">
+                  <a:solidFill>
+                    <a:schemeClr val="bg1"/>
+                  </a:solidFill>
+                  <a:latin typeface="나눔스퀘어_ac Light" panose="020B0600000101010101" pitchFamily="50" charset="-127"/>
+                  <a:ea typeface="나눔스퀘어_ac Light" panose="020B0600000101010101" pitchFamily="50" charset="-127"/>
+                </a:rPr>
+                <a:t>보상과 같은 형태보다</a:t>
+              </a:r>
+              <a:r>
+                <a:rPr lang="en-US" altLang="ko-KR" sz="800" dirty="0">
+                  <a:solidFill>
+                    <a:schemeClr val="bg1"/>
+                  </a:solidFill>
+                  <a:latin typeface="나눔스퀘어_ac Light" panose="020B0600000101010101" pitchFamily="50" charset="-127"/>
+                  <a:ea typeface="나눔스퀘어_ac Light" panose="020B0600000101010101" pitchFamily="50" charset="-127"/>
+                </a:rPr>
+                <a:t>, </a:t>
+              </a:r>
+              <a:r>
+                <a:rPr lang="ko-KR" altLang="en-US" sz="800" dirty="0">
+                  <a:solidFill>
+                    <a:schemeClr val="bg1"/>
+                  </a:solidFill>
+                  <a:latin typeface="나눔스퀘어_ac Light" panose="020B0600000101010101" pitchFamily="50" charset="-127"/>
+                  <a:ea typeface="나눔스퀘어_ac Light" panose="020B0600000101010101" pitchFamily="50" charset="-127"/>
+                </a:rPr>
+                <a:t>게임의 주요 이야기와 연결시켜 호기심 자극 및 애정 캐릭터 배치를 통한 캐릭터 애정 감성</a:t>
               </a:r>
               <a:endParaRPr lang="ko-KR" altLang="en-US" sz="800" b="1" dirty="0">
                 <a:solidFill>
@@ -3956,7 +4211,7 @@
                     <a:latin typeface="나눔스퀘어_ac Light" panose="020B0600000101010101" pitchFamily="50" charset="-127"/>
                     <a:ea typeface="나눔스퀘어_ac Light" panose="020B0600000101010101" pitchFamily="50" charset="-127"/>
                   </a:rPr>
-                  <a:t>모든 컨텐츠 진입 가능</a:t>
+                  <a:t>모든 컨텐츠에 진입할 수 있는 기능 배치</a:t>
                 </a:r>
                 <a:endParaRPr lang="en-US" altLang="ko-KR" sz="800" dirty="0">
                   <a:solidFill>
@@ -4104,67 +4359,6 @@
           </a:fontRef>
         </p:style>
       </p:cxnSp>
-      <p:sp>
-        <p:nvSpPr>
-          <p:cNvPr id="23" name="직사각형 22">
-            <a:extLst>
-              <a:ext uri="{FF2B5EF4-FFF2-40B4-BE49-F238E27FC236}">
-                <a16:creationId xmlns:a16="http://schemas.microsoft.com/office/drawing/2014/main" id="{521A8AD6-A49C-1BA5-D9F1-06533E53E58E}"/>
-              </a:ext>
-            </a:extLst>
-          </p:cNvPr>
-          <p:cNvSpPr/>
-          <p:nvPr/>
-        </p:nvSpPr>
-        <p:spPr>
-          <a:xfrm>
-            <a:off x="442543" y="690780"/>
-            <a:ext cx="2002689" cy="186387"/>
-          </a:xfrm>
-          <a:prstGeom prst="rect">
-            <a:avLst/>
-          </a:prstGeom>
-          <a:noFill/>
-          <a:ln w="12700">
-            <a:noFill/>
-          </a:ln>
-        </p:spPr>
-        <p:style>
-          <a:lnRef idx="2">
-            <a:schemeClr val="accent1">
-              <a:shade val="50000"/>
-            </a:schemeClr>
-          </a:lnRef>
-          <a:fillRef idx="1">
-            <a:schemeClr val="accent1"/>
-          </a:fillRef>
-          <a:effectRef idx="0">
-            <a:schemeClr val="accent1"/>
-          </a:effectRef>
-          <a:fontRef idx="minor">
-            <a:schemeClr val="lt1"/>
-          </a:fontRef>
-        </p:style>
-        <p:txBody>
-          <a:bodyPr lIns="0" tIns="0" rIns="0" bIns="0" rtlCol="0" anchor="ctr"/>
-          <a:lstStyle/>
-          <a:p>
-            <a:pPr>
-              <a:defRPr/>
-            </a:pPr>
-            <a:r>
-              <a:rPr lang="ko-KR" altLang="en-US" sz="1200" b="1" dirty="0">
-                <a:solidFill>
-                  <a:schemeClr val="bg1"/>
-                </a:solidFill>
-                <a:latin typeface="나눔스퀘어_ac Light" panose="020B0600000101010101" pitchFamily="50" charset="-127"/>
-                <a:ea typeface="나눔스퀘어_ac Light" panose="020B0600000101010101" pitchFamily="50" charset="-127"/>
-              </a:rPr>
-              <a:t>주요 기능 </a:t>
-            </a:r>
-          </a:p>
-        </p:txBody>
-      </p:sp>
       <p:pic>
         <p:nvPicPr>
           <p:cNvPr id="57" name="그림 56">
@@ -6271,7 +6465,17 @@
                 <a:ea typeface="나눔스퀘어_ac Light" panose="020B0600000101010101" pitchFamily="50" charset="-127"/>
                 <a:cs typeface="+mn-cs"/>
               </a:rPr>
-              <a:t>강화 등</a:t>
+              <a:t>강화 등 </a:t>
+            </a:r>
+            <a:r>
+              <a:rPr lang="ko-KR" altLang="en-US" sz="700" dirty="0">
+                <a:solidFill>
+                  <a:schemeClr val="bg1"/>
+                </a:solidFill>
+                <a:latin typeface="나눔스퀘어_ac Light" panose="020B0600000101010101" pitchFamily="50" charset="-127"/>
+                <a:ea typeface="나눔스퀘어_ac Light" panose="020B0600000101010101" pitchFamily="50" charset="-127"/>
+              </a:rPr>
+              <a:t>상호작용</a:t>
             </a:r>
             <a:br>
               <a:rPr kumimoji="0" lang="en-US" altLang="ko-KR" sz="500" b="0" i="0" u="none" strike="noStrike" kern="1200" cap="none" spc="0" normalizeH="0" baseline="0" noProof="0" dirty="0">
@@ -6420,6 +6624,412 @@
               <a:ea typeface="나눔스퀘어_ac Light" panose="020B0600000101010101" pitchFamily="50" charset="-127"/>
               <a:cs typeface="+mn-cs"/>
             </a:endParaRPr>
+          </a:p>
+        </p:txBody>
+      </p:sp>
+      <p:sp>
+        <p:nvSpPr>
+          <p:cNvPr id="2" name="타원 1">
+            <a:extLst>
+              <a:ext uri="{FF2B5EF4-FFF2-40B4-BE49-F238E27FC236}">
+                <a16:creationId xmlns:a16="http://schemas.microsoft.com/office/drawing/2014/main" id="{12206C82-D08C-3435-9AAD-F71042545B20}"/>
+              </a:ext>
+            </a:extLst>
+          </p:cNvPr>
+          <p:cNvSpPr/>
+          <p:nvPr/>
+        </p:nvSpPr>
+        <p:spPr>
+          <a:xfrm>
+            <a:off x="6142168" y="751959"/>
+            <a:ext cx="121440" cy="121440"/>
+          </a:xfrm>
+          <a:prstGeom prst="ellipse">
+            <a:avLst/>
+          </a:prstGeom>
+          <a:solidFill>
+            <a:schemeClr val="tx1"/>
+          </a:solidFill>
+          <a:ln w="12700">
+            <a:solidFill>
+              <a:srgbClr val="FF0000"/>
+            </a:solidFill>
+          </a:ln>
+        </p:spPr>
+        <p:style>
+          <a:lnRef idx="2">
+            <a:schemeClr val="accent1">
+              <a:shade val="50000"/>
+            </a:schemeClr>
+          </a:lnRef>
+          <a:fillRef idx="1">
+            <a:schemeClr val="accent1"/>
+          </a:fillRef>
+          <a:effectRef idx="0">
+            <a:schemeClr val="accent1"/>
+          </a:effectRef>
+          <a:fontRef idx="minor">
+            <a:schemeClr val="lt1"/>
+          </a:fontRef>
+        </p:style>
+        <p:txBody>
+          <a:bodyPr rtlCol="0" anchor="ctr"/>
+          <a:lstStyle/>
+          <a:p>
+            <a:pPr algn="ctr"/>
+            <a:r>
+              <a:rPr lang="en-US" altLang="ko-KR" sz="800" b="1" dirty="0"/>
+              <a:t>1</a:t>
+            </a:r>
+            <a:endParaRPr lang="ko-KR" altLang="en-US" sz="800" b="1" dirty="0"/>
+          </a:p>
+        </p:txBody>
+      </p:sp>
+      <p:sp>
+        <p:nvSpPr>
+          <p:cNvPr id="5" name="타원 4">
+            <a:extLst>
+              <a:ext uri="{FF2B5EF4-FFF2-40B4-BE49-F238E27FC236}">
+                <a16:creationId xmlns:a16="http://schemas.microsoft.com/office/drawing/2014/main" id="{B9DB4144-FB2B-58BD-40CC-611EC0ADBBE6}"/>
+              </a:ext>
+            </a:extLst>
+          </p:cNvPr>
+          <p:cNvSpPr/>
+          <p:nvPr/>
+        </p:nvSpPr>
+        <p:spPr>
+          <a:xfrm>
+            <a:off x="6142168" y="1211173"/>
+            <a:ext cx="121440" cy="121440"/>
+          </a:xfrm>
+          <a:prstGeom prst="ellipse">
+            <a:avLst/>
+          </a:prstGeom>
+          <a:solidFill>
+            <a:schemeClr val="tx1"/>
+          </a:solidFill>
+          <a:ln w="12700">
+            <a:solidFill>
+              <a:srgbClr val="FF0000"/>
+            </a:solidFill>
+          </a:ln>
+        </p:spPr>
+        <p:style>
+          <a:lnRef idx="2">
+            <a:schemeClr val="accent1">
+              <a:shade val="50000"/>
+            </a:schemeClr>
+          </a:lnRef>
+          <a:fillRef idx="1">
+            <a:schemeClr val="accent1"/>
+          </a:fillRef>
+          <a:effectRef idx="0">
+            <a:schemeClr val="accent1"/>
+          </a:effectRef>
+          <a:fontRef idx="minor">
+            <a:schemeClr val="lt1"/>
+          </a:fontRef>
+        </p:style>
+        <p:txBody>
+          <a:bodyPr rtlCol="0" anchor="ctr"/>
+          <a:lstStyle/>
+          <a:p>
+            <a:pPr algn="ctr"/>
+            <a:r>
+              <a:rPr lang="en-US" altLang="ko-KR" sz="800" b="1" dirty="0"/>
+              <a:t>2</a:t>
+            </a:r>
+            <a:endParaRPr lang="ko-KR" altLang="en-US" sz="800" b="1" dirty="0"/>
+          </a:p>
+        </p:txBody>
+      </p:sp>
+      <p:sp>
+        <p:nvSpPr>
+          <p:cNvPr id="8" name="타원 7">
+            <a:extLst>
+              <a:ext uri="{FF2B5EF4-FFF2-40B4-BE49-F238E27FC236}">
+                <a16:creationId xmlns:a16="http://schemas.microsoft.com/office/drawing/2014/main" id="{875816D1-8BD7-D52D-8915-9C7ADB5AD2CA}"/>
+              </a:ext>
+            </a:extLst>
+          </p:cNvPr>
+          <p:cNvSpPr/>
+          <p:nvPr/>
+        </p:nvSpPr>
+        <p:spPr>
+          <a:xfrm>
+            <a:off x="6142168" y="1805756"/>
+            <a:ext cx="121440" cy="121440"/>
+          </a:xfrm>
+          <a:prstGeom prst="ellipse">
+            <a:avLst/>
+          </a:prstGeom>
+          <a:solidFill>
+            <a:schemeClr val="tx1"/>
+          </a:solidFill>
+          <a:ln w="12700">
+            <a:solidFill>
+              <a:srgbClr val="FF0000"/>
+            </a:solidFill>
+          </a:ln>
+        </p:spPr>
+        <p:style>
+          <a:lnRef idx="2">
+            <a:schemeClr val="accent1">
+              <a:shade val="50000"/>
+            </a:schemeClr>
+          </a:lnRef>
+          <a:fillRef idx="1">
+            <a:schemeClr val="accent1"/>
+          </a:fillRef>
+          <a:effectRef idx="0">
+            <a:schemeClr val="accent1"/>
+          </a:effectRef>
+          <a:fontRef idx="minor">
+            <a:schemeClr val="lt1"/>
+          </a:fontRef>
+        </p:style>
+        <p:txBody>
+          <a:bodyPr rtlCol="0" anchor="ctr"/>
+          <a:lstStyle/>
+          <a:p>
+            <a:pPr algn="ctr"/>
+            <a:r>
+              <a:rPr lang="en-US" altLang="ko-KR" sz="800" b="1" dirty="0"/>
+              <a:t>3</a:t>
+            </a:r>
+            <a:endParaRPr lang="ko-KR" altLang="en-US" sz="800" b="1" dirty="0"/>
+          </a:p>
+        </p:txBody>
+      </p:sp>
+      <p:sp>
+        <p:nvSpPr>
+          <p:cNvPr id="9" name="타원 8">
+            <a:extLst>
+              <a:ext uri="{FF2B5EF4-FFF2-40B4-BE49-F238E27FC236}">
+                <a16:creationId xmlns:a16="http://schemas.microsoft.com/office/drawing/2014/main" id="{B320E735-2945-A14C-D332-AD3FDFC5D3C6}"/>
+              </a:ext>
+            </a:extLst>
+          </p:cNvPr>
+          <p:cNvSpPr/>
+          <p:nvPr/>
+        </p:nvSpPr>
+        <p:spPr>
+          <a:xfrm>
+            <a:off x="6142168" y="2599840"/>
+            <a:ext cx="121440" cy="121440"/>
+          </a:xfrm>
+          <a:prstGeom prst="ellipse">
+            <a:avLst/>
+          </a:prstGeom>
+          <a:solidFill>
+            <a:schemeClr val="tx1"/>
+          </a:solidFill>
+          <a:ln w="12700">
+            <a:solidFill>
+              <a:srgbClr val="FF0000"/>
+            </a:solidFill>
+          </a:ln>
+        </p:spPr>
+        <p:style>
+          <a:lnRef idx="2">
+            <a:schemeClr val="accent1">
+              <a:shade val="50000"/>
+            </a:schemeClr>
+          </a:lnRef>
+          <a:fillRef idx="1">
+            <a:schemeClr val="accent1"/>
+          </a:fillRef>
+          <a:effectRef idx="0">
+            <a:schemeClr val="accent1"/>
+          </a:effectRef>
+          <a:fontRef idx="minor">
+            <a:schemeClr val="lt1"/>
+          </a:fontRef>
+        </p:style>
+        <p:txBody>
+          <a:bodyPr rtlCol="0" anchor="ctr"/>
+          <a:lstStyle/>
+          <a:p>
+            <a:pPr algn="ctr"/>
+            <a:r>
+              <a:rPr lang="en-US" altLang="ko-KR" sz="800" b="1" dirty="0"/>
+              <a:t>4</a:t>
+            </a:r>
+            <a:endParaRPr lang="ko-KR" altLang="en-US" sz="800" b="1" dirty="0"/>
+          </a:p>
+        </p:txBody>
+      </p:sp>
+      <p:sp>
+        <p:nvSpPr>
+          <p:cNvPr id="13" name="타원 12">
+            <a:extLst>
+              <a:ext uri="{FF2B5EF4-FFF2-40B4-BE49-F238E27FC236}">
+                <a16:creationId xmlns:a16="http://schemas.microsoft.com/office/drawing/2014/main" id="{F154CECF-2304-4F1E-DB03-2842017006E4}"/>
+              </a:ext>
+            </a:extLst>
+          </p:cNvPr>
+          <p:cNvSpPr/>
+          <p:nvPr/>
+        </p:nvSpPr>
+        <p:spPr>
+          <a:xfrm>
+            <a:off x="6142168" y="3081103"/>
+            <a:ext cx="121440" cy="121440"/>
+          </a:xfrm>
+          <a:prstGeom prst="ellipse">
+            <a:avLst/>
+          </a:prstGeom>
+          <a:solidFill>
+            <a:schemeClr val="tx1"/>
+          </a:solidFill>
+          <a:ln w="12700">
+            <a:solidFill>
+              <a:srgbClr val="FF0000"/>
+            </a:solidFill>
+          </a:ln>
+        </p:spPr>
+        <p:style>
+          <a:lnRef idx="2">
+            <a:schemeClr val="accent1">
+              <a:shade val="50000"/>
+            </a:schemeClr>
+          </a:lnRef>
+          <a:fillRef idx="1">
+            <a:schemeClr val="accent1"/>
+          </a:fillRef>
+          <a:effectRef idx="0">
+            <a:schemeClr val="accent1"/>
+          </a:effectRef>
+          <a:fontRef idx="minor">
+            <a:schemeClr val="lt1"/>
+          </a:fontRef>
+        </p:style>
+        <p:txBody>
+          <a:bodyPr rtlCol="0" anchor="ctr"/>
+          <a:lstStyle/>
+          <a:p>
+            <a:pPr algn="ctr"/>
+            <a:r>
+              <a:rPr lang="en-US" altLang="ko-KR" sz="800" b="1" dirty="0"/>
+              <a:t>5</a:t>
+            </a:r>
+            <a:endParaRPr lang="ko-KR" altLang="en-US" sz="800" b="1" dirty="0"/>
+          </a:p>
+        </p:txBody>
+      </p:sp>
+      <p:sp>
+        <p:nvSpPr>
+          <p:cNvPr id="14" name="타원 13">
+            <a:extLst>
+              <a:ext uri="{FF2B5EF4-FFF2-40B4-BE49-F238E27FC236}">
+                <a16:creationId xmlns:a16="http://schemas.microsoft.com/office/drawing/2014/main" id="{C9F472E6-3DC5-77AE-6983-2886DBB4E1DF}"/>
+              </a:ext>
+            </a:extLst>
+          </p:cNvPr>
+          <p:cNvSpPr/>
+          <p:nvPr/>
+        </p:nvSpPr>
+        <p:spPr>
+          <a:xfrm>
+            <a:off x="6142168" y="3637411"/>
+            <a:ext cx="121440" cy="121440"/>
+          </a:xfrm>
+          <a:prstGeom prst="ellipse">
+            <a:avLst/>
+          </a:prstGeom>
+          <a:solidFill>
+            <a:schemeClr val="tx1"/>
+          </a:solidFill>
+          <a:ln w="12700">
+            <a:solidFill>
+              <a:srgbClr val="FF0000"/>
+            </a:solidFill>
+          </a:ln>
+        </p:spPr>
+        <p:style>
+          <a:lnRef idx="2">
+            <a:schemeClr val="accent1">
+              <a:shade val="50000"/>
+            </a:schemeClr>
+          </a:lnRef>
+          <a:fillRef idx="1">
+            <a:schemeClr val="accent1"/>
+          </a:fillRef>
+          <a:effectRef idx="0">
+            <a:schemeClr val="accent1"/>
+          </a:effectRef>
+          <a:fontRef idx="minor">
+            <a:schemeClr val="lt1"/>
+          </a:fontRef>
+        </p:style>
+        <p:txBody>
+          <a:bodyPr rtlCol="0" anchor="ctr"/>
+          <a:lstStyle/>
+          <a:p>
+            <a:pPr algn="ctr"/>
+            <a:r>
+              <a:rPr lang="en-US" altLang="ko-KR" sz="800" b="1" dirty="0"/>
+              <a:t>6</a:t>
+            </a:r>
+            <a:endParaRPr lang="ko-KR" altLang="en-US" sz="800" b="1" dirty="0"/>
+          </a:p>
+        </p:txBody>
+      </p:sp>
+      <p:sp>
+        <p:nvSpPr>
+          <p:cNvPr id="15" name="타원 14">
+            <a:extLst>
+              <a:ext uri="{FF2B5EF4-FFF2-40B4-BE49-F238E27FC236}">
+                <a16:creationId xmlns:a16="http://schemas.microsoft.com/office/drawing/2014/main" id="{5177F15E-E757-D395-49F7-80BFB494AD19}"/>
+              </a:ext>
+            </a:extLst>
+          </p:cNvPr>
+          <p:cNvSpPr/>
+          <p:nvPr/>
+        </p:nvSpPr>
+        <p:spPr>
+          <a:xfrm>
+            <a:off x="6142168" y="4084871"/>
+            <a:ext cx="121440" cy="121440"/>
+          </a:xfrm>
+          <a:prstGeom prst="ellipse">
+            <a:avLst/>
+          </a:prstGeom>
+          <a:solidFill>
+            <a:schemeClr val="tx1"/>
+          </a:solidFill>
+          <a:ln w="12700">
+            <a:solidFill>
+              <a:srgbClr val="FF0000"/>
+            </a:solidFill>
+          </a:ln>
+        </p:spPr>
+        <p:style>
+          <a:lnRef idx="2">
+            <a:schemeClr val="accent1">
+              <a:shade val="50000"/>
+            </a:schemeClr>
+          </a:lnRef>
+          <a:fillRef idx="1">
+            <a:schemeClr val="accent1"/>
+          </a:fillRef>
+          <a:effectRef idx="0">
+            <a:schemeClr val="accent1"/>
+          </a:effectRef>
+          <a:fontRef idx="minor">
+            <a:schemeClr val="lt1"/>
+          </a:fontRef>
+        </p:style>
+        <p:txBody>
+          <a:bodyPr rtlCol="0" anchor="ctr"/>
+          <a:lstStyle/>
+          <a:p>
+            <a:pPr algn="ctr"/>
+            <a:r>
+              <a:rPr lang="en-US" altLang="ko-KR" sz="800" b="1" dirty="0"/>
+              <a:t>7</a:t>
+            </a:r>
+            <a:endParaRPr lang="ko-KR" altLang="en-US" sz="800" b="1" dirty="0"/>
           </a:p>
         </p:txBody>
       </p:sp>
@@ -6579,8 +7189,8 @@
         </p:blipFill>
         <p:spPr>
           <a:xfrm>
-            <a:off x="476461" y="1283803"/>
-            <a:ext cx="4461137" cy="2499910"/>
+            <a:off x="394696" y="971857"/>
+            <a:ext cx="5329518" cy="2986529"/>
           </a:xfrm>
           <a:prstGeom prst="rect">
             <a:avLst/>
@@ -6601,8 +7211,8 @@
         </p:nvGrpSpPr>
         <p:grpSpPr>
           <a:xfrm>
-            <a:off x="1080427" y="1588268"/>
-            <a:ext cx="3253204" cy="1890979"/>
+            <a:off x="998662" y="1276323"/>
+            <a:ext cx="3886456" cy="2259067"/>
             <a:chOff x="1233176" y="3936001"/>
             <a:chExt cx="3253204" cy="1890979"/>
           </a:xfrm>
@@ -6660,7 +7270,7 @@
             <a:lstStyle/>
             <a:p>
               <a:pPr algn="ctr"/>
-              <a:endParaRPr lang="ko-KR" altLang="en-US"/>
+              <a:endParaRPr lang="ko-KR" altLang="en-US" sz="2000"/>
             </a:p>
           </p:txBody>
         </p:sp>
@@ -6715,14 +7325,14 @@
             <a:p>
               <a:pPr algn="ctr"/>
               <a:r>
-                <a:rPr lang="en-US" altLang="ko-KR" sz="700" dirty="0"/>
+                <a:rPr lang="en-US" altLang="ko-KR" sz="800" dirty="0"/>
                 <a:t>1</a:t>
               </a:r>
               <a:r>
-                <a:rPr lang="ko-KR" altLang="en-US" sz="700" dirty="0"/>
+                <a:rPr lang="ko-KR" altLang="en-US" sz="800" dirty="0"/>
                 <a:t>번 세계관 이름</a:t>
               </a:r>
-              <a:endParaRPr lang="ko-KR" altLang="en-US" sz="600" dirty="0"/>
+              <a:endParaRPr lang="ko-KR" altLang="en-US" sz="700" dirty="0"/>
             </a:p>
           </p:txBody>
         </p:sp>
@@ -6779,14 +7389,14 @@
             <a:p>
               <a:pPr algn="ctr"/>
               <a:r>
-                <a:rPr lang="en-US" altLang="ko-KR" sz="500" dirty="0"/>
+                <a:rPr lang="en-US" altLang="ko-KR" sz="600" dirty="0"/>
                 <a:t>2</a:t>
               </a:r>
               <a:r>
-                <a:rPr lang="ko-KR" altLang="en-US" sz="500" dirty="0"/>
+                <a:rPr lang="ko-KR" altLang="en-US" sz="600" dirty="0"/>
                 <a:t>번 세계관 이름</a:t>
               </a:r>
-              <a:endParaRPr lang="ko-KR" altLang="en-US" sz="400" dirty="0"/>
+              <a:endParaRPr lang="ko-KR" altLang="en-US" sz="500" dirty="0"/>
             </a:p>
           </p:txBody>
         </p:sp>
@@ -6843,14 +7453,14 @@
             <a:p>
               <a:pPr algn="ctr"/>
               <a:r>
-                <a:rPr lang="en-US" altLang="ko-KR" sz="500" dirty="0"/>
+                <a:rPr lang="en-US" altLang="ko-KR" sz="600" dirty="0"/>
                 <a:t>3</a:t>
               </a:r>
               <a:r>
-                <a:rPr lang="ko-KR" altLang="en-US" sz="500" dirty="0"/>
+                <a:rPr lang="ko-KR" altLang="en-US" sz="600" dirty="0"/>
                 <a:t>번 세계관 이름</a:t>
               </a:r>
-              <a:endParaRPr lang="ko-KR" altLang="en-US" sz="400" dirty="0"/>
+              <a:endParaRPr lang="ko-KR" altLang="en-US" sz="500" dirty="0"/>
             </a:p>
           </p:txBody>
         </p:sp>
@@ -6907,14 +7517,14 @@
             <a:p>
               <a:pPr algn="ctr"/>
               <a:r>
-                <a:rPr lang="en-US" altLang="ko-KR" sz="500" dirty="0"/>
+                <a:rPr lang="en-US" altLang="ko-KR" sz="600" dirty="0"/>
                 <a:t>4</a:t>
               </a:r>
               <a:r>
-                <a:rPr lang="ko-KR" altLang="en-US" sz="500" dirty="0"/>
+                <a:rPr lang="ko-KR" altLang="en-US" sz="600" dirty="0"/>
                 <a:t>번 세계관 이름</a:t>
               </a:r>
-              <a:endParaRPr lang="ko-KR" altLang="en-US" sz="400" dirty="0"/>
+              <a:endParaRPr lang="ko-KR" altLang="en-US" sz="500" dirty="0"/>
             </a:p>
           </p:txBody>
         </p:sp>
@@ -6971,14 +7581,14 @@
             <a:p>
               <a:pPr algn="ctr"/>
               <a:r>
-                <a:rPr lang="en-US" altLang="ko-KR" sz="500" dirty="0"/>
+                <a:rPr lang="en-US" altLang="ko-KR" sz="600" dirty="0"/>
                 <a:t>5</a:t>
               </a:r>
               <a:r>
-                <a:rPr lang="ko-KR" altLang="en-US" sz="500" dirty="0"/>
+                <a:rPr lang="ko-KR" altLang="en-US" sz="600" dirty="0"/>
                 <a:t>번 세계관 이름</a:t>
               </a:r>
-              <a:endParaRPr lang="ko-KR" altLang="en-US" sz="400" dirty="0"/>
+              <a:endParaRPr lang="ko-KR" altLang="en-US" sz="500" dirty="0"/>
             </a:p>
           </p:txBody>
         </p:sp>
@@ -7035,14 +7645,14 @@
             <a:p>
               <a:pPr algn="ctr"/>
               <a:r>
-                <a:rPr lang="en-US" altLang="ko-KR" sz="500" dirty="0"/>
+                <a:rPr lang="en-US" altLang="ko-KR" sz="600" dirty="0"/>
                 <a:t>7</a:t>
               </a:r>
               <a:r>
-                <a:rPr lang="ko-KR" altLang="en-US" sz="500" dirty="0"/>
+                <a:rPr lang="ko-KR" altLang="en-US" sz="600" dirty="0"/>
                 <a:t>번 세계관 이름</a:t>
               </a:r>
-              <a:endParaRPr lang="ko-KR" altLang="en-US" sz="400" dirty="0"/>
+              <a:endParaRPr lang="ko-KR" altLang="en-US" sz="500" dirty="0"/>
             </a:p>
           </p:txBody>
         </p:sp>
@@ -7099,14 +7709,14 @@
             <a:p>
               <a:pPr algn="ctr"/>
               <a:r>
-                <a:rPr lang="en-US" altLang="ko-KR" sz="500" dirty="0"/>
+                <a:rPr lang="en-US" altLang="ko-KR" sz="600" dirty="0"/>
                 <a:t>8</a:t>
               </a:r>
               <a:r>
-                <a:rPr lang="ko-KR" altLang="en-US" sz="500" dirty="0"/>
+                <a:rPr lang="ko-KR" altLang="en-US" sz="600" dirty="0"/>
                 <a:t>번 세계관 이름</a:t>
               </a:r>
-              <a:endParaRPr lang="ko-KR" altLang="en-US" sz="400" dirty="0"/>
+              <a:endParaRPr lang="ko-KR" altLang="en-US" sz="500" dirty="0"/>
             </a:p>
           </p:txBody>
         </p:sp>
@@ -7163,14 +7773,14 @@
             <a:p>
               <a:pPr algn="ctr"/>
               <a:r>
-                <a:rPr lang="en-US" altLang="ko-KR" sz="500" dirty="0"/>
+                <a:rPr lang="en-US" altLang="ko-KR" sz="600" dirty="0"/>
                 <a:t>6</a:t>
               </a:r>
               <a:r>
-                <a:rPr lang="ko-KR" altLang="en-US" sz="500" dirty="0"/>
+                <a:rPr lang="ko-KR" altLang="en-US" sz="600" dirty="0"/>
                 <a:t>번 세계관 이름</a:t>
               </a:r>
-              <a:endParaRPr lang="ko-KR" altLang="en-US" sz="400" dirty="0"/>
+              <a:endParaRPr lang="ko-KR" altLang="en-US" sz="500" dirty="0"/>
             </a:p>
           </p:txBody>
         </p:sp>
@@ -7300,56 +7910,56 @@
             <a:p>
               <a:pPr algn="ctr"/>
               <a:r>
-                <a:rPr lang="ko-KR" altLang="en-US" sz="400" dirty="0"/>
+                <a:rPr lang="ko-KR" altLang="en-US" sz="500" dirty="0"/>
                 <a:t>획득 </a:t>
               </a:r>
               <a:r>
-                <a:rPr lang="en-US" altLang="ko-KR" sz="400" dirty="0"/>
+                <a:rPr lang="en-US" altLang="ko-KR" sz="500" dirty="0"/>
                 <a:t>DEM</a:t>
               </a:r>
             </a:p>
             <a:p>
               <a:pPr algn="ctr"/>
               <a:r>
+                <a:rPr lang="ko-KR" altLang="en-US" sz="500" dirty="0"/>
+                <a:t>캐릭터</a:t>
+              </a:r>
+              <a:endParaRPr lang="en-US" altLang="ko-KR" sz="500" dirty="0"/>
+            </a:p>
+            <a:p>
+              <a:pPr algn="ctr"/>
+              <a:r>
+                <a:rPr lang="en-US" altLang="ko-KR" sz="400" dirty="0"/>
+                <a:t>(</a:t>
+              </a:r>
+              <a:r>
                 <a:rPr lang="ko-KR" altLang="en-US" sz="400" dirty="0"/>
-                <a:t>캐릭터</a:t>
+                <a:t>캐릭터 이미지</a:t>
+              </a:r>
+              <a:r>
+                <a:rPr lang="en-US" altLang="ko-KR" sz="400" dirty="0"/>
+                <a:t>)</a:t>
+              </a:r>
+            </a:p>
+            <a:p>
+              <a:pPr algn="ctr"/>
+              <a:endParaRPr lang="en-US" altLang="ko-KR" sz="400" dirty="0"/>
+            </a:p>
+            <a:p>
+              <a:pPr algn="ctr"/>
+              <a:r>
+                <a:rPr lang="ko-KR" altLang="en-US" sz="400" dirty="0"/>
+                <a:t>소모 포인트</a:t>
               </a:r>
               <a:endParaRPr lang="en-US" altLang="ko-KR" sz="400" dirty="0"/>
             </a:p>
             <a:p>
               <a:pPr algn="ctr"/>
               <a:r>
-                <a:rPr lang="en-US" altLang="ko-KR" sz="300" dirty="0"/>
-                <a:t>(</a:t>
-              </a:r>
-              <a:r>
-                <a:rPr lang="ko-KR" altLang="en-US" sz="300" dirty="0"/>
-                <a:t>캐릭터 이미지</a:t>
-              </a:r>
-              <a:r>
-                <a:rPr lang="en-US" altLang="ko-KR" sz="300" dirty="0"/>
-                <a:t>)</a:t>
-              </a:r>
-            </a:p>
-            <a:p>
-              <a:pPr algn="ctr"/>
-              <a:endParaRPr lang="en-US" altLang="ko-KR" sz="300" dirty="0"/>
-            </a:p>
-            <a:p>
-              <a:pPr algn="ctr"/>
-              <a:r>
-                <a:rPr lang="ko-KR" altLang="en-US" sz="300" dirty="0"/>
-                <a:t>소모 포인트</a:t>
-              </a:r>
-              <a:endParaRPr lang="en-US" altLang="ko-KR" sz="300" dirty="0"/>
-            </a:p>
-            <a:p>
-              <a:pPr algn="ctr"/>
-              <a:r>
-                <a:rPr lang="en-US" altLang="ko-KR" sz="300" dirty="0"/>
+                <a:rPr lang="en-US" altLang="ko-KR" sz="400" dirty="0"/>
                 <a:t>5P</a:t>
               </a:r>
-              <a:endParaRPr lang="ko-KR" altLang="en-US" sz="200" dirty="0"/>
+              <a:endParaRPr lang="ko-KR" altLang="en-US" sz="300" dirty="0"/>
             </a:p>
           </p:txBody>
         </p:sp>
@@ -7403,7 +8013,7 @@
             <a:lstStyle/>
             <a:p>
               <a:pPr algn="ctr"/>
-              <a:endParaRPr lang="ko-KR" altLang="en-US"/>
+              <a:endParaRPr lang="ko-KR" altLang="en-US" sz="2000"/>
             </a:p>
           </p:txBody>
         </p:sp>
@@ -7453,14 +8063,14 @@
             <a:lstStyle/>
             <a:p>
               <a:r>
-                <a:rPr lang="ko-KR" altLang="en-US" sz="500" dirty="0"/>
+                <a:rPr lang="ko-KR" altLang="en-US" sz="600" dirty="0"/>
                 <a:t>캐릭터 배치 포인트 </a:t>
               </a:r>
               <a:r>
-                <a:rPr lang="en-US" altLang="ko-KR" sz="500" dirty="0"/>
+                <a:rPr lang="en-US" altLang="ko-KR" sz="600" dirty="0"/>
                 <a:t>5 / 100</a:t>
               </a:r>
-              <a:endParaRPr lang="ko-KR" altLang="en-US" sz="400" dirty="0"/>
+              <a:endParaRPr lang="ko-KR" altLang="en-US" sz="500" dirty="0"/>
             </a:p>
           </p:txBody>
         </p:sp>
@@ -7514,7 +8124,7 @@
             <a:lstStyle/>
             <a:p>
               <a:pPr algn="ctr"/>
-              <a:endParaRPr lang="ko-KR" altLang="en-US"/>
+              <a:endParaRPr lang="ko-KR" altLang="en-US" sz="2000"/>
             </a:p>
           </p:txBody>
         </p:sp>
@@ -7571,56 +8181,56 @@
             <a:p>
               <a:pPr algn="ctr"/>
               <a:r>
-                <a:rPr lang="ko-KR" altLang="en-US" sz="400" dirty="0"/>
+                <a:rPr lang="ko-KR" altLang="en-US" sz="500" dirty="0"/>
                 <a:t>획득 </a:t>
               </a:r>
               <a:r>
-                <a:rPr lang="en-US" altLang="ko-KR" sz="400" dirty="0"/>
+                <a:rPr lang="en-US" altLang="ko-KR" sz="500" dirty="0"/>
                 <a:t>DEM</a:t>
               </a:r>
             </a:p>
             <a:p>
               <a:pPr algn="ctr"/>
               <a:r>
+                <a:rPr lang="ko-KR" altLang="en-US" sz="500" dirty="0"/>
+                <a:t>캐릭터</a:t>
+              </a:r>
+              <a:endParaRPr lang="en-US" altLang="ko-KR" sz="500" dirty="0"/>
+            </a:p>
+            <a:p>
+              <a:pPr algn="ctr"/>
+              <a:r>
+                <a:rPr lang="en-US" altLang="ko-KR" sz="400" dirty="0"/>
+                <a:t>(</a:t>
+              </a:r>
+              <a:r>
                 <a:rPr lang="ko-KR" altLang="en-US" sz="400" dirty="0"/>
-                <a:t>캐릭터</a:t>
+                <a:t>캐릭터 이미지</a:t>
+              </a:r>
+              <a:r>
+                <a:rPr lang="en-US" altLang="ko-KR" sz="400" dirty="0"/>
+                <a:t>)</a:t>
+              </a:r>
+            </a:p>
+            <a:p>
+              <a:pPr algn="ctr"/>
+              <a:endParaRPr lang="en-US" altLang="ko-KR" sz="400" dirty="0"/>
+            </a:p>
+            <a:p>
+              <a:pPr algn="ctr"/>
+              <a:r>
+                <a:rPr lang="ko-KR" altLang="en-US" sz="400" dirty="0"/>
+                <a:t>소모 포인트</a:t>
               </a:r>
               <a:endParaRPr lang="en-US" altLang="ko-KR" sz="400" dirty="0"/>
             </a:p>
             <a:p>
               <a:pPr algn="ctr"/>
               <a:r>
-                <a:rPr lang="en-US" altLang="ko-KR" sz="300" dirty="0"/>
-                <a:t>(</a:t>
-              </a:r>
-              <a:r>
-                <a:rPr lang="ko-KR" altLang="en-US" sz="300" dirty="0"/>
-                <a:t>캐릭터 이미지</a:t>
-              </a:r>
-              <a:r>
-                <a:rPr lang="en-US" altLang="ko-KR" sz="300" dirty="0"/>
-                <a:t>)</a:t>
-              </a:r>
-            </a:p>
-            <a:p>
-              <a:pPr algn="ctr"/>
-              <a:endParaRPr lang="en-US" altLang="ko-KR" sz="300" dirty="0"/>
-            </a:p>
-            <a:p>
-              <a:pPr algn="ctr"/>
-              <a:r>
-                <a:rPr lang="ko-KR" altLang="en-US" sz="300" dirty="0"/>
-                <a:t>소모 포인트</a:t>
-              </a:r>
-              <a:endParaRPr lang="en-US" altLang="ko-KR" sz="300" dirty="0"/>
-            </a:p>
-            <a:p>
-              <a:pPr algn="ctr"/>
-              <a:r>
-                <a:rPr lang="en-US" altLang="ko-KR" sz="300" dirty="0"/>
+                <a:rPr lang="en-US" altLang="ko-KR" sz="400" dirty="0"/>
                 <a:t>5P</a:t>
               </a:r>
-              <a:endParaRPr lang="ko-KR" altLang="en-US" sz="200" dirty="0"/>
+              <a:endParaRPr lang="ko-KR" altLang="en-US" sz="300" dirty="0"/>
             </a:p>
           </p:txBody>
         </p:sp>
@@ -7769,7 +8379,7 @@
             <a:p>
               <a:pPr algn="ctr"/>
               <a:r>
-                <a:rPr lang="ko-KR" altLang="en-US" sz="300" b="1" dirty="0">
+                <a:rPr lang="ko-KR" altLang="en-US" sz="400" b="1" dirty="0">
                   <a:solidFill>
                     <a:schemeClr val="tx1"/>
                   </a:solidFill>
@@ -7830,7 +8440,7 @@
             <a:p>
               <a:pPr algn="ctr"/>
               <a:r>
-                <a:rPr lang="ko-KR" altLang="en-US" sz="300" b="1" dirty="0">
+                <a:rPr lang="ko-KR" altLang="en-US" sz="400" b="1" dirty="0">
                   <a:solidFill>
                     <a:schemeClr val="tx1"/>
                   </a:solidFill>
@@ -7838,7 +8448,7 @@
                 <a:t>이름</a:t>
               </a:r>
               <a:r>
-                <a:rPr lang="en-US" altLang="ko-KR" sz="300" b="1" dirty="0">
+                <a:rPr lang="en-US" altLang="ko-KR" sz="400" b="1" dirty="0">
                   <a:solidFill>
                     <a:schemeClr val="tx1"/>
                   </a:solidFill>
@@ -7846,7 +8456,7 @@
                 <a:t> </a:t>
               </a:r>
               <a:r>
-                <a:rPr lang="ko-KR" altLang="en-US" sz="300" b="1" dirty="0">
+                <a:rPr lang="ko-KR" altLang="en-US" sz="400" b="1" dirty="0">
                   <a:solidFill>
                     <a:schemeClr val="tx1"/>
                   </a:solidFill>
@@ -7907,7 +8517,7 @@
             <a:p>
               <a:pPr algn="ctr"/>
               <a:r>
-                <a:rPr lang="ko-KR" altLang="en-US" sz="700" b="1" dirty="0">
+                <a:rPr lang="ko-KR" altLang="en-US" sz="800" b="1" dirty="0">
                   <a:solidFill>
                     <a:schemeClr val="tx1"/>
                   </a:solidFill>
@@ -7968,7 +8578,7 @@
             <a:p>
               <a:pPr algn="ctr"/>
               <a:r>
-                <a:rPr lang="ko-KR" altLang="en-US" sz="700" b="1" dirty="0">
+                <a:rPr lang="ko-KR" altLang="en-US" sz="800" b="1" dirty="0">
                   <a:solidFill>
                     <a:schemeClr val="tx1"/>
                   </a:solidFill>
@@ -8031,14 +8641,14 @@
             <a:p>
               <a:pPr algn="ctr"/>
               <a:r>
-                <a:rPr lang="en-US" altLang="ko-KR" sz="500" dirty="0"/>
+                <a:rPr lang="en-US" altLang="ko-KR" sz="600" dirty="0"/>
                 <a:t>9</a:t>
               </a:r>
               <a:r>
-                <a:rPr lang="ko-KR" altLang="en-US" sz="500" dirty="0"/>
+                <a:rPr lang="ko-KR" altLang="en-US" sz="600" dirty="0"/>
                 <a:t>번 세계관 이름</a:t>
               </a:r>
-              <a:endParaRPr lang="ko-KR" altLang="en-US" sz="400" dirty="0"/>
+              <a:endParaRPr lang="ko-KR" altLang="en-US" sz="500" dirty="0"/>
             </a:p>
           </p:txBody>
         </p:sp>
@@ -9044,28 +9654,48 @@
             </a:endParaRPr>
           </a:p>
           <a:p>
-            <a:pPr marL="628650" lvl="1" indent="-171450">
-              <a:buFont typeface="Wingdings" panose="05000000000000000000" pitchFamily="2" charset="2"/>
-              <a:buChar char="ü"/>
+            <a:pPr marR="0" lvl="0" algn="l" defTabSz="914400" rtl="0" eaLnBrk="1" fontAlgn="auto" latinLnBrk="1" hangingPunct="1">
+              <a:lnSpc>
+                <a:spcPct val="100000"/>
+              </a:lnSpc>
+              <a:spcBef>
+                <a:spcPts val="0"/>
+              </a:spcBef>
+              <a:spcAft>
+                <a:spcPts val="0"/>
+              </a:spcAft>
+              <a:buClrTx/>
+              <a:buSzTx/>
+              <a:tabLst/>
               <a:defRPr/>
             </a:pPr>
-            <a:r>
-              <a:rPr kumimoji="0" lang="ko-KR" altLang="en-US" sz="700" b="0" i="0" u="none" strike="noStrike" kern="1200" cap="none" spc="0" normalizeH="0" baseline="0" noProof="0" dirty="0">
-                <a:ln>
-                  <a:noFill/>
-                </a:ln>
-                <a:solidFill>
-                  <a:prstClr val="white"/>
-                </a:solidFill>
-                <a:effectLst/>
-                <a:uLnTx/>
-                <a:uFillTx/>
-                <a:latin typeface="나눔스퀘어_ac Light" panose="020B0600000101010101" pitchFamily="50" charset="-127"/>
-                <a:ea typeface="나눔스퀘어_ac Light" panose="020B0600000101010101" pitchFamily="50" charset="-127"/>
-                <a:cs typeface="+mn-cs"/>
-              </a:rPr>
-              <a:t>기본 상호작용 </a:t>
-            </a:r>
+            <a:endParaRPr lang="en-US" altLang="ko-KR" sz="700" dirty="0">
+              <a:solidFill>
+                <a:prstClr val="white"/>
+              </a:solidFill>
+              <a:latin typeface="나눔스퀘어_ac Light" panose="020B0600000101010101" pitchFamily="50" charset="-127"/>
+              <a:ea typeface="나눔스퀘어_ac Light" panose="020B0600000101010101" pitchFamily="50" charset="-127"/>
+              <a:cs typeface="+mn-cs"/>
+            </a:endParaRPr>
+          </a:p>
+          <a:p>
+            <a:pPr marL="171450" marR="0" lvl="0" indent="-171450" algn="l" defTabSz="914400" rtl="0" eaLnBrk="1" fontAlgn="auto" latinLnBrk="1" hangingPunct="1">
+              <a:lnSpc>
+                <a:spcPct val="100000"/>
+              </a:lnSpc>
+              <a:spcBef>
+                <a:spcPts val="0"/>
+              </a:spcBef>
+              <a:spcAft>
+                <a:spcPts val="0"/>
+              </a:spcAft>
+              <a:buClrTx/>
+              <a:buSzTx/>
+              <a:buFont typeface="Arial" panose="020B0604020202020204" pitchFamily="34" charset="0"/>
+              <a:buChar char="•"/>
+              <a:tabLst/>
+              <a:defRPr/>
+            </a:pPr>
             <a:r>
               <a:rPr lang="ko-KR" altLang="en-US" sz="700" dirty="0">
                 <a:solidFill>
@@ -9073,18 +9703,9 @@
                 </a:solidFill>
                 <a:latin typeface="나눔스퀘어_ac Light" panose="020B0600000101010101" pitchFamily="50" charset="-127"/>
                 <a:ea typeface="나눔스퀘어_ac Light" panose="020B0600000101010101" pitchFamily="50" charset="-127"/>
+                <a:cs typeface="+mn-cs"/>
               </a:rPr>
-              <a:t>텍스트 </a:t>
-            </a:r>
-            <a:r>
-              <a:rPr lang="en-US" altLang="ko-KR" sz="700" dirty="0">
-                <a:solidFill>
-                  <a:prstClr val="white"/>
-                </a:solidFill>
-                <a:latin typeface="나눔스퀘어_ac Light" panose="020B0600000101010101" pitchFamily="50" charset="-127"/>
-                <a:ea typeface="나눔스퀘어_ac Light" panose="020B0600000101010101" pitchFamily="50" charset="-127"/>
-              </a:rPr>
-              <a:t>n</a:t>
+              <a:t>세계관 배경</a:t>
             </a:r>
           </a:p>
           <a:p>
@@ -9101,54 +9722,7 @@
                 <a:latin typeface="나눔스퀘어_ac Light" panose="020B0600000101010101" pitchFamily="50" charset="-127"/>
                 <a:ea typeface="나눔스퀘어_ac Light" panose="020B0600000101010101" pitchFamily="50" charset="-127"/>
               </a:rPr>
-              <a:t>특수 상호작용 텍스트 </a:t>
-            </a:r>
-            <a:r>
-              <a:rPr lang="en-US" altLang="ko-KR" sz="700" dirty="0">
-                <a:solidFill>
-                  <a:prstClr val="white"/>
-                </a:solidFill>
-                <a:latin typeface="나눔스퀘어_ac Light" panose="020B0600000101010101" pitchFamily="50" charset="-127"/>
-                <a:ea typeface="나눔스퀘어_ac Light" panose="020B0600000101010101" pitchFamily="50" charset="-127"/>
-              </a:rPr>
-              <a:t>n</a:t>
-            </a:r>
-          </a:p>
-          <a:p>
-            <a:pPr marL="628650" lvl="1" indent="-171450">
-              <a:buFont typeface="Wingdings" panose="05000000000000000000" pitchFamily="2" charset="2"/>
-              <a:buChar char="ü"/>
-              <a:defRPr/>
-            </a:pPr>
-            <a:r>
-              <a:rPr lang="ko-KR" altLang="en-US" sz="700" dirty="0">
-                <a:solidFill>
-                  <a:prstClr val="white"/>
-                </a:solidFill>
-                <a:latin typeface="나눔스퀘어_ac Light" panose="020B0600000101010101" pitchFamily="50" charset="-127"/>
-                <a:ea typeface="나눔스퀘어_ac Light" panose="020B0600000101010101" pitchFamily="50" charset="-127"/>
-              </a:rPr>
-              <a:t>터치 시 확률 별 대사 노출 </a:t>
-            </a:r>
-            <a:r>
-              <a:rPr lang="en-US" altLang="ko-KR" sz="700" dirty="0">
-                <a:solidFill>
-                  <a:prstClr val="white"/>
-                </a:solidFill>
-                <a:latin typeface="나눔스퀘어_ac Light" panose="020B0600000101010101" pitchFamily="50" charset="-127"/>
-                <a:ea typeface="나눔스퀘어_ac Light" panose="020B0600000101010101" pitchFamily="50" charset="-127"/>
-              </a:rPr>
-              <a:t>or </a:t>
-            </a:r>
-            <a:r>
-              <a:rPr lang="ko-KR" altLang="en-US" sz="700" dirty="0">
-                <a:solidFill>
-                  <a:prstClr val="white"/>
-                </a:solidFill>
-                <a:latin typeface="나눔스퀘어_ac Light" panose="020B0600000101010101" pitchFamily="50" charset="-127"/>
-                <a:ea typeface="나눔스퀘어_ac Light" panose="020B0600000101010101" pitchFamily="50" charset="-127"/>
-              </a:rPr>
-              <a:t>높은 우선 순위 별 상호작용 대사 변경</a:t>
+              <a:t>배치 한계 포인트</a:t>
             </a:r>
             <a:endParaRPr lang="en-US" altLang="ko-KR" sz="700" dirty="0">
               <a:solidFill>
@@ -9210,86 +9784,7 @@
                 <a:ea typeface="나눔스퀘어_ac Light" panose="020B0600000101010101" pitchFamily="50" charset="-127"/>
                 <a:cs typeface="+mn-cs"/>
               </a:rPr>
-              <a:t>세계관 배경</a:t>
-            </a:r>
-          </a:p>
-          <a:p>
-            <a:pPr marL="628650" lvl="1" indent="-171450">
-              <a:buFont typeface="Wingdings" panose="05000000000000000000" pitchFamily="2" charset="2"/>
-              <a:buChar char="ü"/>
-              <a:defRPr/>
-            </a:pPr>
-            <a:r>
-              <a:rPr lang="ko-KR" altLang="en-US" sz="700" dirty="0">
-                <a:solidFill>
-                  <a:prstClr val="white"/>
-                </a:solidFill>
-                <a:latin typeface="나눔스퀘어_ac Light" panose="020B0600000101010101" pitchFamily="50" charset="-127"/>
-                <a:ea typeface="나눔스퀘어_ac Light" panose="020B0600000101010101" pitchFamily="50" charset="-127"/>
-              </a:rPr>
-              <a:t>배치 한계 포인트</a:t>
-            </a:r>
-            <a:endParaRPr lang="en-US" altLang="ko-KR" sz="700" dirty="0">
-              <a:solidFill>
-                <a:prstClr val="white"/>
-              </a:solidFill>
-              <a:latin typeface="나눔스퀘어_ac Light" panose="020B0600000101010101" pitchFamily="50" charset="-127"/>
-              <a:ea typeface="나눔스퀘어_ac Light" panose="020B0600000101010101" pitchFamily="50" charset="-127"/>
-            </a:endParaRPr>
-          </a:p>
-          <a:p>
-            <a:pPr marR="0" lvl="0" algn="l" defTabSz="914400" rtl="0" eaLnBrk="1" fontAlgn="auto" latinLnBrk="1" hangingPunct="1">
-              <a:lnSpc>
-                <a:spcPct val="100000"/>
-              </a:lnSpc>
-              <a:spcBef>
-                <a:spcPts val="0"/>
-              </a:spcBef>
-              <a:spcAft>
-                <a:spcPts val="0"/>
-              </a:spcAft>
-              <a:buClrTx/>
-              <a:buSzTx/>
-              <a:tabLst/>
-              <a:defRPr/>
-            </a:pPr>
-            <a:endParaRPr lang="en-US" altLang="ko-KR" sz="700" dirty="0">
-              <a:solidFill>
-                <a:prstClr val="white"/>
-              </a:solidFill>
-              <a:latin typeface="나눔스퀘어_ac Light" panose="020B0600000101010101" pitchFamily="50" charset="-127"/>
-              <a:ea typeface="나눔스퀘어_ac Light" panose="020B0600000101010101" pitchFamily="50" charset="-127"/>
-              <a:cs typeface="+mn-cs"/>
-            </a:endParaRPr>
-          </a:p>
-          <a:p>
-            <a:pPr marL="171450" marR="0" lvl="0" indent="-171450" algn="l" defTabSz="914400" rtl="0" eaLnBrk="1" fontAlgn="auto" latinLnBrk="1" hangingPunct="1">
-              <a:lnSpc>
-                <a:spcPct val="100000"/>
-              </a:lnSpc>
-              <a:spcBef>
-                <a:spcPts val="0"/>
-              </a:spcBef>
-              <a:spcAft>
-                <a:spcPts val="0"/>
-              </a:spcAft>
-              <a:buClrTx/>
-              <a:buSzTx/>
-              <a:buFont typeface="Arial" panose="020B0604020202020204" pitchFamily="34" charset="0"/>
-              <a:buChar char="•"/>
-              <a:tabLst/>
-              <a:defRPr/>
-            </a:pPr>
-            <a:r>
-              <a:rPr lang="ko-KR" altLang="en-US" sz="700" dirty="0">
-                <a:solidFill>
-                  <a:prstClr val="white"/>
-                </a:solidFill>
-                <a:latin typeface="나눔스퀘어_ac Light" panose="020B0600000101010101" pitchFamily="50" charset="-127"/>
-                <a:ea typeface="나눔스퀘어_ac Light" panose="020B0600000101010101" pitchFamily="50" charset="-127"/>
-                <a:cs typeface="+mn-cs"/>
-              </a:rPr>
-              <a:t>특수 상호작용 대사</a:t>
+              <a:t>특수 상호작용 대사 시트 추가</a:t>
             </a:r>
             <a:endParaRPr lang="en-US" altLang="ko-KR" sz="700" dirty="0">
               <a:solidFill>
@@ -9320,7 +9815,17 @@
                 <a:ea typeface="나눔스퀘어_ac Light" panose="020B0600000101010101" pitchFamily="50" charset="-127"/>
                 <a:cs typeface="+mn-cs"/>
               </a:rPr>
-              <a:t>특수 상호작용 조건 </a:t>
+              <a:t>기본 상호작용 </a:t>
+            </a:r>
+            <a:r>
+              <a:rPr lang="ko-KR" altLang="en-US" sz="700" dirty="0">
+                <a:solidFill>
+                  <a:prstClr val="white"/>
+                </a:solidFill>
+                <a:latin typeface="나눔스퀘어_ac Light" panose="020B0600000101010101" pitchFamily="50" charset="-127"/>
+                <a:ea typeface="나눔스퀘어_ac Light" panose="020B0600000101010101" pitchFamily="50" charset="-127"/>
+              </a:rPr>
+              <a:t>텍스트 </a:t>
             </a:r>
             <a:r>
               <a:rPr lang="en-US" altLang="ko-KR" sz="700" dirty="0">
@@ -9330,8 +9835,15 @@
                 <a:latin typeface="나눔스퀘어_ac Light" panose="020B0600000101010101" pitchFamily="50" charset="-127"/>
                 <a:ea typeface="나눔스퀘어_ac Light" panose="020B0600000101010101" pitchFamily="50" charset="-127"/>
               </a:rPr>
-              <a:t>n / </a:t>
-            </a:r>
+              <a:t>n</a:t>
+            </a:r>
+          </a:p>
+          <a:p>
+            <a:pPr marL="628650" lvl="1" indent="-171450">
+              <a:buFont typeface="Wingdings" panose="05000000000000000000" pitchFamily="2" charset="2"/>
+              <a:buChar char="ü"/>
+              <a:defRPr/>
+            </a:pPr>
             <a:r>
               <a:rPr lang="ko-KR" altLang="en-US" sz="700" dirty="0">
                 <a:solidFill>
@@ -9340,7 +9852,27 @@
                 <a:latin typeface="나눔스퀘어_ac Light" panose="020B0600000101010101" pitchFamily="50" charset="-127"/>
                 <a:ea typeface="나눔스퀘어_ac Light" panose="020B0600000101010101" pitchFamily="50" charset="-127"/>
               </a:rPr>
-              <a:t>특정 캐릭터 획득 및 세계관 해금 등</a:t>
+              <a:t>특수 상호작용 텍스트 </a:t>
+            </a:r>
+            <a:r>
+              <a:rPr lang="en-US" altLang="ko-KR" sz="700" dirty="0">
+                <a:solidFill>
+                  <a:prstClr val="white"/>
+                </a:solidFill>
+                <a:latin typeface="나눔스퀘어_ac Light" panose="020B0600000101010101" pitchFamily="50" charset="-127"/>
+                <a:ea typeface="나눔스퀘어_ac Light" panose="020B0600000101010101" pitchFamily="50" charset="-127"/>
+              </a:rPr>
+              <a:t>n / </a:t>
+            </a:r>
+            <a:r>
+              <a:rPr lang="ko-KR" altLang="en-US" sz="700" dirty="0">
+                <a:solidFill>
+                  <a:prstClr val="white"/>
+                </a:solidFill>
+                <a:latin typeface="나눔스퀘어_ac Light" panose="020B0600000101010101" pitchFamily="50" charset="-127"/>
+                <a:ea typeface="나눔스퀘어_ac Light" panose="020B0600000101010101" pitchFamily="50" charset="-127"/>
+              </a:rPr>
+              <a:t>상호작용 텍스트가 여러 개 시 확률에 따른 대사 노출</a:t>
             </a:r>
             <a:endParaRPr kumimoji="0" lang="en-US" altLang="ko-KR" sz="700" b="0" i="0" u="none" strike="noStrike" kern="1200" cap="none" spc="0" normalizeH="0" baseline="0" noProof="0" dirty="0">
               <a:ln>
@@ -9378,7 +9910,17 @@
                 <a:ea typeface="나눔스퀘어_ac Light" panose="020B0600000101010101" pitchFamily="50" charset="-127"/>
                 <a:cs typeface="+mn-cs"/>
               </a:rPr>
-              <a:t>특수 상호작용 </a:t>
+              <a:t>특수 상호작용 조건 </a:t>
+            </a:r>
+            <a:r>
+              <a:rPr lang="en-US" altLang="ko-KR" sz="700" dirty="0">
+                <a:solidFill>
+                  <a:prstClr val="white"/>
+                </a:solidFill>
+                <a:latin typeface="나눔스퀘어_ac Light" panose="020B0600000101010101" pitchFamily="50" charset="-127"/>
+                <a:ea typeface="나눔스퀘어_ac Light" panose="020B0600000101010101" pitchFamily="50" charset="-127"/>
+              </a:rPr>
+              <a:t>n / </a:t>
             </a:r>
             <a:r>
               <a:rPr lang="ko-KR" altLang="en-US" sz="700" dirty="0">
@@ -9388,25 +9930,8 @@
                 <a:latin typeface="나눔스퀘어_ac Light" panose="020B0600000101010101" pitchFamily="50" charset="-127"/>
                 <a:ea typeface="나눔스퀘어_ac Light" panose="020B0600000101010101" pitchFamily="50" charset="-127"/>
               </a:rPr>
-              <a:t>텍스트 </a:t>
-            </a:r>
-            <a:r>
-              <a:rPr lang="en-US" altLang="ko-KR" sz="700" dirty="0">
-                <a:solidFill>
-                  <a:prstClr val="white"/>
-                </a:solidFill>
-                <a:latin typeface="나눔스퀘어_ac Light" panose="020B0600000101010101" pitchFamily="50" charset="-127"/>
-                <a:ea typeface="나눔스퀘어_ac Light" panose="020B0600000101010101" pitchFamily="50" charset="-127"/>
-              </a:rPr>
-              <a:t>n</a:t>
-            </a:r>
-            <a:endParaRPr lang="en-US" altLang="ko-KR" sz="500" dirty="0">
-              <a:solidFill>
-                <a:prstClr val="white"/>
-              </a:solidFill>
-              <a:latin typeface="나눔스퀘어_ac Light" panose="020B0600000101010101" pitchFamily="50" charset="-127"/>
-              <a:ea typeface="나눔스퀘어_ac Light" panose="020B0600000101010101" pitchFamily="50" charset="-127"/>
-            </a:endParaRPr>
+              <a:t>특정 캐릭터 획득 및 세계관 해금 등</a:t>
+            </a:r>
           </a:p>
         </p:txBody>
       </p:sp>
@@ -9456,7 +9981,7 @@
     </p:spTree>
     <p:extLst>
       <p:ext uri="{BB962C8B-B14F-4D97-AF65-F5344CB8AC3E}">
-        <p14:creationId xmlns:p14="http://schemas.microsoft.com/office/powerpoint/2010/main" val="874289941"/>
+        <p14:creationId xmlns:p14="http://schemas.microsoft.com/office/powerpoint/2010/main" val="1193086480"/>
       </p:ext>
     </p:extLst>
   </p:cSld>
@@ -9535,6 +10060,1983 @@
                 <a:ea typeface="나눔스퀘어_ac Light" panose="020B0600000101010101" pitchFamily="50" charset="-127"/>
                 <a:cs typeface="+mn-cs"/>
               </a:rPr>
+              <a:t>메인 로비 배경 변경 기능 </a:t>
+            </a:r>
+            <a:r>
+              <a:rPr lang="en-US" altLang="ko-KR" sz="2400" b="1" dirty="0">
+                <a:latin typeface="나눔스퀘어_ac Light" panose="020B0600000101010101" pitchFamily="50" charset="-127"/>
+                <a:ea typeface="나눔스퀘어_ac Light" panose="020B0600000101010101" pitchFamily="50" charset="-127"/>
+                <a:cs typeface="+mn-cs"/>
+              </a:rPr>
+              <a:t>– </a:t>
+            </a:r>
+            <a:r>
+              <a:rPr lang="ko-KR" altLang="en-US" sz="2400" b="1" dirty="0">
+                <a:latin typeface="나눔스퀘어_ac Light" panose="020B0600000101010101" pitchFamily="50" charset="-127"/>
+                <a:ea typeface="나눔스퀘어_ac Light" panose="020B0600000101010101" pitchFamily="50" charset="-127"/>
+                <a:cs typeface="+mn-cs"/>
+              </a:rPr>
+              <a:t>주요 플로우</a:t>
+            </a:r>
+            <a:endParaRPr lang="ko-KR" altLang="en-US" sz="2400" b="1" dirty="0">
+              <a:latin typeface="나눔스퀘어_ac Light" panose="020B0600000101010101" pitchFamily="50" charset="-127"/>
+              <a:ea typeface="나눔스퀘어_ac Light" panose="020B0600000101010101" pitchFamily="50" charset="-127"/>
+            </a:endParaRPr>
+          </a:p>
+        </p:txBody>
+      </p:sp>
+      <p:cxnSp>
+        <p:nvCxnSpPr>
+          <p:cNvPr id="7" name="직선 연결선 6">
+            <a:extLst>
+              <a:ext uri="{FF2B5EF4-FFF2-40B4-BE49-F238E27FC236}">
+                <a16:creationId xmlns:a16="http://schemas.microsoft.com/office/drawing/2014/main" id="{8E75409E-551F-B820-378A-AAAEBB54491A}"/>
+              </a:ext>
+            </a:extLst>
+          </p:cNvPr>
+          <p:cNvCxnSpPr>
+            <a:cxnSpLocks/>
+          </p:cNvCxnSpPr>
+          <p:nvPr/>
+        </p:nvCxnSpPr>
+        <p:spPr>
+          <a:xfrm>
+            <a:off x="0" y="605549"/>
+            <a:ext cx="5849155" cy="0"/>
+          </a:xfrm>
+          <a:prstGeom prst="line">
+            <a:avLst/>
+          </a:prstGeom>
+          <a:ln w="38100">
+            <a:solidFill>
+              <a:srgbClr val="FFFFFF"/>
+            </a:solidFill>
+          </a:ln>
+        </p:spPr>
+        <p:style>
+          <a:lnRef idx="1">
+            <a:schemeClr val="accent1"/>
+          </a:lnRef>
+          <a:fillRef idx="0">
+            <a:schemeClr val="accent1"/>
+          </a:fillRef>
+          <a:effectRef idx="0">
+            <a:schemeClr val="accent1"/>
+          </a:effectRef>
+          <a:fontRef idx="minor">
+            <a:schemeClr val="tx1"/>
+          </a:fontRef>
+        </p:style>
+      </p:cxnSp>
+      <p:pic>
+        <p:nvPicPr>
+          <p:cNvPr id="2148" name="그림 2147">
+            <a:extLst>
+              <a:ext uri="{FF2B5EF4-FFF2-40B4-BE49-F238E27FC236}">
+                <a16:creationId xmlns:a16="http://schemas.microsoft.com/office/drawing/2014/main" id="{FDE36443-CBBA-0FA9-53D8-4F8797819B3D}"/>
+              </a:ext>
+            </a:extLst>
+          </p:cNvPr>
+          <p:cNvPicPr>
+            <a:picLocks noChangeAspect="1"/>
+          </p:cNvPicPr>
+          <p:nvPr/>
+        </p:nvPicPr>
+        <p:blipFill>
+          <a:blip r:embed="rId3"/>
+          <a:stretch>
+            <a:fillRect/>
+          </a:stretch>
+        </p:blipFill>
+        <p:spPr>
+          <a:xfrm>
+            <a:off x="4380567" y="3648123"/>
+            <a:ext cx="3429076" cy="1921568"/>
+          </a:xfrm>
+          <a:prstGeom prst="rect">
+            <a:avLst/>
+          </a:prstGeom>
+        </p:spPr>
+      </p:pic>
+      <p:sp>
+        <p:nvSpPr>
+          <p:cNvPr id="2150" name="직사각형 2149">
+            <a:extLst>
+              <a:ext uri="{FF2B5EF4-FFF2-40B4-BE49-F238E27FC236}">
+                <a16:creationId xmlns:a16="http://schemas.microsoft.com/office/drawing/2014/main" id="{1C070ED2-5498-A2D2-15DA-5201108661D8}"/>
+              </a:ext>
+            </a:extLst>
+          </p:cNvPr>
+          <p:cNvSpPr/>
+          <p:nvPr/>
+        </p:nvSpPr>
+        <p:spPr>
+          <a:xfrm>
+            <a:off x="4379673" y="3648123"/>
+            <a:ext cx="3429076" cy="1926451"/>
+          </a:xfrm>
+          <a:prstGeom prst="rect">
+            <a:avLst/>
+          </a:prstGeom>
+          <a:solidFill>
+            <a:schemeClr val="tx1"/>
+          </a:solidFill>
+          <a:ln w="28575">
+            <a:noFill/>
+          </a:ln>
+        </p:spPr>
+        <p:style>
+          <a:lnRef idx="2">
+            <a:schemeClr val="accent1">
+              <a:shade val="50000"/>
+            </a:schemeClr>
+          </a:lnRef>
+          <a:fillRef idx="1">
+            <a:schemeClr val="accent1"/>
+          </a:fillRef>
+          <a:effectRef idx="0">
+            <a:schemeClr val="accent1"/>
+          </a:effectRef>
+          <a:fontRef idx="minor">
+            <a:schemeClr val="lt1"/>
+          </a:fontRef>
+        </p:style>
+        <p:txBody>
+          <a:bodyPr lIns="0" tIns="0" rIns="0" bIns="0" rtlCol="0" anchor="t"/>
+          <a:lstStyle/>
+          <a:p>
+            <a:r>
+              <a:rPr lang="en-US" altLang="ko-KR" sz="800" dirty="0"/>
+              <a:t>2</a:t>
+            </a:r>
+            <a:r>
+              <a:rPr lang="ko-KR" altLang="en-US" sz="800" dirty="0"/>
+              <a:t>번 세계관 배경 </a:t>
+            </a:r>
+            <a:r>
+              <a:rPr lang="en-US" altLang="ko-KR" sz="800" dirty="0"/>
+              <a:t>&amp; </a:t>
+            </a:r>
+            <a:r>
+              <a:rPr lang="ko-KR" altLang="en-US" sz="800" dirty="0"/>
+              <a:t>선택한 캐릭터 배치된 상태</a:t>
+            </a:r>
+          </a:p>
+        </p:txBody>
+      </p:sp>
+      <p:pic>
+        <p:nvPicPr>
+          <p:cNvPr id="2067" name="그림 2066">
+            <a:extLst>
+              <a:ext uri="{FF2B5EF4-FFF2-40B4-BE49-F238E27FC236}">
+                <a16:creationId xmlns:a16="http://schemas.microsoft.com/office/drawing/2014/main" id="{83DB0DF5-165E-51E7-A81F-B9A2BFEED2DB}"/>
+              </a:ext>
+            </a:extLst>
+          </p:cNvPr>
+          <p:cNvPicPr>
+            <a:picLocks noChangeAspect="1"/>
+          </p:cNvPicPr>
+          <p:nvPr/>
+        </p:nvPicPr>
+        <p:blipFill>
+          <a:blip r:embed="rId3"/>
+          <a:stretch>
+            <a:fillRect/>
+          </a:stretch>
+        </p:blipFill>
+        <p:spPr>
+          <a:xfrm>
+            <a:off x="644867" y="1343388"/>
+            <a:ext cx="3429076" cy="1921568"/>
+          </a:xfrm>
+          <a:prstGeom prst="rect">
+            <a:avLst/>
+          </a:prstGeom>
+        </p:spPr>
+      </p:pic>
+      <p:pic>
+        <p:nvPicPr>
+          <p:cNvPr id="2066" name="그림 2065">
+            <a:extLst>
+              <a:ext uri="{FF2B5EF4-FFF2-40B4-BE49-F238E27FC236}">
+                <a16:creationId xmlns:a16="http://schemas.microsoft.com/office/drawing/2014/main" id="{6D9D0F66-0823-464C-9501-A86610118093}"/>
+              </a:ext>
+            </a:extLst>
+          </p:cNvPr>
+          <p:cNvPicPr>
+            <a:picLocks noChangeAspect="1"/>
+          </p:cNvPicPr>
+          <p:nvPr/>
+        </p:nvPicPr>
+        <p:blipFill>
+          <a:blip r:embed="rId4"/>
+          <a:stretch>
+            <a:fillRect/>
+          </a:stretch>
+        </p:blipFill>
+        <p:spPr>
+          <a:xfrm>
+            <a:off x="1106140" y="1572610"/>
+            <a:ext cx="2506530" cy="1463122"/>
+          </a:xfrm>
+          <a:prstGeom prst="rect">
+            <a:avLst/>
+          </a:prstGeom>
+        </p:spPr>
+      </p:pic>
+      <p:pic>
+        <p:nvPicPr>
+          <p:cNvPr id="1026" name="Picture 2" descr="Tap ">
+            <a:extLst>
+              <a:ext uri="{FF2B5EF4-FFF2-40B4-BE49-F238E27FC236}">
+                <a16:creationId xmlns:a16="http://schemas.microsoft.com/office/drawing/2014/main" id="{CC250C67-9227-0290-5B5B-CFB5E1021653}"/>
+              </a:ext>
+            </a:extLst>
+          </p:cNvPr>
+          <p:cNvPicPr>
+            <a:picLocks noChangeAspect="1" noChangeArrowheads="1"/>
+          </p:cNvPicPr>
+          <p:nvPr/>
+        </p:nvPicPr>
+        <p:blipFill>
+          <a:blip r:embed="rId5">
+            <a:extLst>
+              <a:ext uri="{28A0092B-C50C-407E-A947-70E740481C1C}">
+                <a14:useLocalDpi xmlns:a14="http://schemas.microsoft.com/office/drawing/2010/main" val="0"/>
+              </a:ext>
+            </a:extLst>
+          </a:blip>
+          <a:srcRect/>
+          <a:stretch>
+            <a:fillRect/>
+          </a:stretch>
+        </p:blipFill>
+        <p:spPr bwMode="auto">
+          <a:xfrm>
+            <a:off x="1365994" y="1943085"/>
+            <a:ext cx="503802" cy="503802"/>
+          </a:xfrm>
+          <a:prstGeom prst="rect">
+            <a:avLst/>
+          </a:prstGeom>
+          <a:noFill/>
+          <a:extLst>
+            <a:ext uri="{909E8E84-426E-40DD-AFC4-6F175D3DCCD1}">
+              <a14:hiddenFill xmlns:a14="http://schemas.microsoft.com/office/drawing/2010/main">
+                <a:solidFill>
+                  <a:srgbClr val="FFFFFF"/>
+                </a:solidFill>
+              </a14:hiddenFill>
+            </a:ext>
+          </a:extLst>
+        </p:spPr>
+      </p:pic>
+      <p:pic>
+        <p:nvPicPr>
+          <p:cNvPr id="2092" name="그림 2091">
+            <a:extLst>
+              <a:ext uri="{FF2B5EF4-FFF2-40B4-BE49-F238E27FC236}">
+                <a16:creationId xmlns:a16="http://schemas.microsoft.com/office/drawing/2014/main" id="{C4430F6B-03EB-02FF-F77A-3F6571D1D17F}"/>
+              </a:ext>
+            </a:extLst>
+          </p:cNvPr>
+          <p:cNvPicPr>
+            <a:picLocks noChangeAspect="1"/>
+          </p:cNvPicPr>
+          <p:nvPr/>
+        </p:nvPicPr>
+        <p:blipFill>
+          <a:blip r:embed="rId3"/>
+          <a:stretch>
+            <a:fillRect/>
+          </a:stretch>
+        </p:blipFill>
+        <p:spPr>
+          <a:xfrm>
+            <a:off x="4380567" y="1343388"/>
+            <a:ext cx="3429076" cy="1921568"/>
+          </a:xfrm>
+          <a:prstGeom prst="rect">
+            <a:avLst/>
+          </a:prstGeom>
+        </p:spPr>
+      </p:pic>
+      <p:pic>
+        <p:nvPicPr>
+          <p:cNvPr id="1086" name="그림 1085">
+            <a:extLst>
+              <a:ext uri="{FF2B5EF4-FFF2-40B4-BE49-F238E27FC236}">
+                <a16:creationId xmlns:a16="http://schemas.microsoft.com/office/drawing/2014/main" id="{90ACABCB-BE75-3383-82AE-AD997667F7C2}"/>
+              </a:ext>
+            </a:extLst>
+          </p:cNvPr>
+          <p:cNvPicPr>
+            <a:picLocks noChangeAspect="1"/>
+          </p:cNvPicPr>
+          <p:nvPr/>
+        </p:nvPicPr>
+        <p:blipFill>
+          <a:blip r:embed="rId6"/>
+          <a:stretch>
+            <a:fillRect/>
+          </a:stretch>
+        </p:blipFill>
+        <p:spPr>
+          <a:xfrm>
+            <a:off x="4838987" y="1575497"/>
+            <a:ext cx="2512232" cy="1460235"/>
+          </a:xfrm>
+          <a:prstGeom prst="rect">
+            <a:avLst/>
+          </a:prstGeom>
+        </p:spPr>
+      </p:pic>
+      <p:pic>
+        <p:nvPicPr>
+          <p:cNvPr id="1035" name="Picture 2" descr="Tap ">
+            <a:extLst>
+              <a:ext uri="{FF2B5EF4-FFF2-40B4-BE49-F238E27FC236}">
+                <a16:creationId xmlns:a16="http://schemas.microsoft.com/office/drawing/2014/main" id="{FEA04053-D3F2-EDAA-4B18-09EBFEB2EA80}"/>
+              </a:ext>
+            </a:extLst>
+          </p:cNvPr>
+          <p:cNvPicPr>
+            <a:picLocks noChangeAspect="1" noChangeArrowheads="1"/>
+          </p:cNvPicPr>
+          <p:nvPr/>
+        </p:nvPicPr>
+        <p:blipFill>
+          <a:blip r:embed="rId5">
+            <a:extLst>
+              <a:ext uri="{28A0092B-C50C-407E-A947-70E740481C1C}">
+                <a14:useLocalDpi xmlns:a14="http://schemas.microsoft.com/office/drawing/2010/main" val="0"/>
+              </a:ext>
+            </a:extLst>
+          </a:blip>
+          <a:srcRect/>
+          <a:stretch>
+            <a:fillRect/>
+          </a:stretch>
+        </p:blipFill>
+        <p:spPr bwMode="auto">
+          <a:xfrm>
+            <a:off x="5903718" y="2040728"/>
+            <a:ext cx="503802" cy="503802"/>
+          </a:xfrm>
+          <a:prstGeom prst="rect">
+            <a:avLst/>
+          </a:prstGeom>
+          <a:noFill/>
+          <a:extLst>
+            <a:ext uri="{909E8E84-426E-40DD-AFC4-6F175D3DCCD1}">
+              <a14:hiddenFill xmlns:a14="http://schemas.microsoft.com/office/drawing/2010/main">
+                <a:solidFill>
+                  <a:srgbClr val="FFFFFF"/>
+                </a:solidFill>
+              </a14:hiddenFill>
+            </a:ext>
+          </a:extLst>
+        </p:spPr>
+      </p:pic>
+      <p:pic>
+        <p:nvPicPr>
+          <p:cNvPr id="2138" name="그림 2137">
+            <a:extLst>
+              <a:ext uri="{FF2B5EF4-FFF2-40B4-BE49-F238E27FC236}">
+                <a16:creationId xmlns:a16="http://schemas.microsoft.com/office/drawing/2014/main" id="{792B7F49-359A-F0FF-6880-D7E6232D9D98}"/>
+              </a:ext>
+            </a:extLst>
+          </p:cNvPr>
+          <p:cNvPicPr>
+            <a:picLocks noChangeAspect="1"/>
+          </p:cNvPicPr>
+          <p:nvPr/>
+        </p:nvPicPr>
+        <p:blipFill>
+          <a:blip r:embed="rId3"/>
+          <a:stretch>
+            <a:fillRect/>
+          </a:stretch>
+        </p:blipFill>
+        <p:spPr>
+          <a:xfrm>
+            <a:off x="8118055" y="1343388"/>
+            <a:ext cx="3429076" cy="1921568"/>
+          </a:xfrm>
+          <a:prstGeom prst="rect">
+            <a:avLst/>
+          </a:prstGeom>
+        </p:spPr>
+      </p:pic>
+      <p:pic>
+        <p:nvPicPr>
+          <p:cNvPr id="2137" name="그림 2136">
+            <a:extLst>
+              <a:ext uri="{FF2B5EF4-FFF2-40B4-BE49-F238E27FC236}">
+                <a16:creationId xmlns:a16="http://schemas.microsoft.com/office/drawing/2014/main" id="{084E6212-80D2-F694-B4FB-858CEC92FE5D}"/>
+              </a:ext>
+            </a:extLst>
+          </p:cNvPr>
+          <p:cNvPicPr>
+            <a:picLocks noChangeAspect="1"/>
+          </p:cNvPicPr>
+          <p:nvPr/>
+        </p:nvPicPr>
+        <p:blipFill>
+          <a:blip r:embed="rId7"/>
+          <a:stretch>
+            <a:fillRect/>
+          </a:stretch>
+        </p:blipFill>
+        <p:spPr>
+          <a:xfrm>
+            <a:off x="8598234" y="1600789"/>
+            <a:ext cx="2468717" cy="1434943"/>
+          </a:xfrm>
+          <a:prstGeom prst="rect">
+            <a:avLst/>
+          </a:prstGeom>
+        </p:spPr>
+      </p:pic>
+      <p:pic>
+        <p:nvPicPr>
+          <p:cNvPr id="2139" name="Picture 2" descr="Tap ">
+            <a:extLst>
+              <a:ext uri="{FF2B5EF4-FFF2-40B4-BE49-F238E27FC236}">
+                <a16:creationId xmlns:a16="http://schemas.microsoft.com/office/drawing/2014/main" id="{33389060-B12C-C9C5-F1A5-E1CA3D6AEAAE}"/>
+              </a:ext>
+            </a:extLst>
+          </p:cNvPr>
+          <p:cNvPicPr>
+            <a:picLocks noChangeAspect="1" noChangeArrowheads="1"/>
+          </p:cNvPicPr>
+          <p:nvPr/>
+        </p:nvPicPr>
+        <p:blipFill>
+          <a:blip r:embed="rId5">
+            <a:extLst>
+              <a:ext uri="{28A0092B-C50C-407E-A947-70E740481C1C}">
+                <a14:useLocalDpi xmlns:a14="http://schemas.microsoft.com/office/drawing/2010/main" val="0"/>
+              </a:ext>
+            </a:extLst>
+          </a:blip>
+          <a:srcRect/>
+          <a:stretch>
+            <a:fillRect/>
+          </a:stretch>
+        </p:blipFill>
+        <p:spPr bwMode="auto">
+          <a:xfrm>
+            <a:off x="10761048" y="2851781"/>
+            <a:ext cx="503802" cy="503802"/>
+          </a:xfrm>
+          <a:prstGeom prst="rect">
+            <a:avLst/>
+          </a:prstGeom>
+          <a:noFill/>
+          <a:extLst>
+            <a:ext uri="{909E8E84-426E-40DD-AFC4-6F175D3DCCD1}">
+              <a14:hiddenFill xmlns:a14="http://schemas.microsoft.com/office/drawing/2010/main">
+                <a:solidFill>
+                  <a:srgbClr val="FFFFFF"/>
+                </a:solidFill>
+              </a14:hiddenFill>
+            </a:ext>
+          </a:extLst>
+        </p:spPr>
+      </p:pic>
+      <p:pic>
+        <p:nvPicPr>
+          <p:cNvPr id="2140" name="그림 2139">
+            <a:extLst>
+              <a:ext uri="{FF2B5EF4-FFF2-40B4-BE49-F238E27FC236}">
+                <a16:creationId xmlns:a16="http://schemas.microsoft.com/office/drawing/2014/main" id="{EBEE12BE-36E0-1CDB-445A-8A6C97FD28D6}"/>
+              </a:ext>
+            </a:extLst>
+          </p:cNvPr>
+          <p:cNvPicPr>
+            <a:picLocks noChangeAspect="1"/>
+          </p:cNvPicPr>
+          <p:nvPr/>
+        </p:nvPicPr>
+        <p:blipFill>
+          <a:blip r:embed="rId3"/>
+          <a:stretch>
+            <a:fillRect/>
+          </a:stretch>
+        </p:blipFill>
+        <p:spPr>
+          <a:xfrm>
+            <a:off x="8118055" y="3652886"/>
+            <a:ext cx="3429076" cy="1921568"/>
+          </a:xfrm>
+          <a:prstGeom prst="rect">
+            <a:avLst/>
+          </a:prstGeom>
+        </p:spPr>
+      </p:pic>
+      <p:pic>
+        <p:nvPicPr>
+          <p:cNvPr id="2141" name="그림 2140">
+            <a:extLst>
+              <a:ext uri="{FF2B5EF4-FFF2-40B4-BE49-F238E27FC236}">
+                <a16:creationId xmlns:a16="http://schemas.microsoft.com/office/drawing/2014/main" id="{E553EFA5-41F4-BA2E-6E09-234AB1AD3F7F}"/>
+              </a:ext>
+            </a:extLst>
+          </p:cNvPr>
+          <p:cNvPicPr>
+            <a:picLocks noChangeAspect="1"/>
+          </p:cNvPicPr>
+          <p:nvPr/>
+        </p:nvPicPr>
+        <p:blipFill>
+          <a:blip r:embed="rId7"/>
+          <a:stretch>
+            <a:fillRect/>
+          </a:stretch>
+        </p:blipFill>
+        <p:spPr>
+          <a:xfrm>
+            <a:off x="8598234" y="3901550"/>
+            <a:ext cx="2468717" cy="1434943"/>
+          </a:xfrm>
+          <a:prstGeom prst="rect">
+            <a:avLst/>
+          </a:prstGeom>
+        </p:spPr>
+      </p:pic>
+      <p:sp>
+        <p:nvSpPr>
+          <p:cNvPr id="2142" name="직사각형 2141">
+            <a:extLst>
+              <a:ext uri="{FF2B5EF4-FFF2-40B4-BE49-F238E27FC236}">
+                <a16:creationId xmlns:a16="http://schemas.microsoft.com/office/drawing/2014/main" id="{7A39A3DC-BE17-C181-4CEF-9301ABA70BAF}"/>
+              </a:ext>
+            </a:extLst>
+          </p:cNvPr>
+          <p:cNvSpPr/>
+          <p:nvPr/>
+        </p:nvSpPr>
+        <p:spPr>
+          <a:xfrm>
+            <a:off x="8118055" y="3652886"/>
+            <a:ext cx="3429076" cy="1916925"/>
+          </a:xfrm>
+          <a:prstGeom prst="rect">
+            <a:avLst/>
+          </a:prstGeom>
+          <a:solidFill>
+            <a:schemeClr val="tx1">
+              <a:alpha val="80000"/>
+            </a:schemeClr>
+          </a:solidFill>
+          <a:ln w="28575">
+            <a:noFill/>
+          </a:ln>
+        </p:spPr>
+        <p:style>
+          <a:lnRef idx="2">
+            <a:schemeClr val="accent1">
+              <a:shade val="50000"/>
+            </a:schemeClr>
+          </a:lnRef>
+          <a:fillRef idx="1">
+            <a:schemeClr val="accent1"/>
+          </a:fillRef>
+          <a:effectRef idx="0">
+            <a:schemeClr val="accent1"/>
+          </a:effectRef>
+          <a:fontRef idx="minor">
+            <a:schemeClr val="lt1"/>
+          </a:fontRef>
+        </p:style>
+        <p:txBody>
+          <a:bodyPr rtlCol="0" anchor="ctr"/>
+          <a:lstStyle/>
+          <a:p>
+            <a:pPr algn="ctr"/>
+            <a:endParaRPr lang="ko-KR" altLang="en-US"/>
+          </a:p>
+        </p:txBody>
+      </p:sp>
+      <p:grpSp>
+        <p:nvGrpSpPr>
+          <p:cNvPr id="2146" name="그룹 2145">
+            <a:extLst>
+              <a:ext uri="{FF2B5EF4-FFF2-40B4-BE49-F238E27FC236}">
+                <a16:creationId xmlns:a16="http://schemas.microsoft.com/office/drawing/2014/main" id="{9F293A47-D9CD-B914-2212-0725350FCF7B}"/>
+              </a:ext>
+            </a:extLst>
+          </p:cNvPr>
+          <p:cNvGrpSpPr/>
+          <p:nvPr/>
+        </p:nvGrpSpPr>
+        <p:grpSpPr>
+          <a:xfrm>
+            <a:off x="8882129" y="4145057"/>
+            <a:ext cx="1900927" cy="802421"/>
+            <a:chOff x="5985773" y="4512527"/>
+            <a:chExt cx="1900926" cy="802421"/>
+          </a:xfrm>
+        </p:grpSpPr>
+        <p:sp>
+          <p:nvSpPr>
+            <p:cNvPr id="2143" name="직사각형 2142">
+              <a:extLst>
+                <a:ext uri="{FF2B5EF4-FFF2-40B4-BE49-F238E27FC236}">
+                  <a16:creationId xmlns:a16="http://schemas.microsoft.com/office/drawing/2014/main" id="{FCBCFF93-BB2B-6632-CCBF-AE43AF135190}"/>
+                </a:ext>
+              </a:extLst>
+            </p:cNvPr>
+            <p:cNvSpPr/>
+            <p:nvPr/>
+          </p:nvSpPr>
+          <p:spPr>
+            <a:xfrm>
+              <a:off x="5985773" y="4512527"/>
+              <a:ext cx="1900926" cy="802421"/>
+            </a:xfrm>
+            <a:prstGeom prst="rect">
+              <a:avLst/>
+            </a:prstGeom>
+            <a:solidFill>
+              <a:schemeClr val="accent5"/>
+            </a:solidFill>
+            <a:ln w="12700">
+              <a:solidFill>
+                <a:schemeClr val="bg1"/>
+              </a:solidFill>
+            </a:ln>
+          </p:spPr>
+          <p:style>
+            <a:lnRef idx="2">
+              <a:schemeClr val="accent1">
+                <a:shade val="50000"/>
+              </a:schemeClr>
+            </a:lnRef>
+            <a:fillRef idx="1">
+              <a:schemeClr val="accent1"/>
+            </a:fillRef>
+            <a:effectRef idx="0">
+              <a:schemeClr val="accent1"/>
+            </a:effectRef>
+            <a:fontRef idx="minor">
+              <a:schemeClr val="lt1"/>
+            </a:fontRef>
+          </p:style>
+          <p:txBody>
+            <a:bodyPr lIns="0" tIns="0" rIns="0" bIns="0" rtlCol="0" anchor="ctr"/>
+            <a:lstStyle/>
+            <a:p>
+              <a:pPr algn="ctr"/>
+              <a:r>
+                <a:rPr lang="ko-KR" altLang="en-US" sz="700" b="1" dirty="0">
+                  <a:solidFill>
+                    <a:prstClr val="black"/>
+                  </a:solidFill>
+                  <a:latin typeface="나눔스퀘어_ac Light" panose="020B0600000101010101" pitchFamily="50" charset="-127"/>
+                  <a:ea typeface="나눔스퀘어_ac Light" panose="020B0600000101010101" pitchFamily="50" charset="-127"/>
+                </a:rPr>
+                <a:t>변경된 내용을 저장 하시겠습니까</a:t>
+              </a:r>
+              <a:r>
+                <a:rPr lang="en-US" altLang="ko-KR" sz="700" b="1" dirty="0">
+                  <a:solidFill>
+                    <a:prstClr val="black"/>
+                  </a:solidFill>
+                  <a:latin typeface="나눔스퀘어_ac Light" panose="020B0600000101010101" pitchFamily="50" charset="-127"/>
+                  <a:ea typeface="나눔스퀘어_ac Light" panose="020B0600000101010101" pitchFamily="50" charset="-127"/>
+                </a:rPr>
+                <a:t>?</a:t>
+              </a:r>
+            </a:p>
+            <a:p>
+              <a:pPr algn="ctr"/>
+              <a:endParaRPr lang="en-US" altLang="ko-KR" sz="700" b="1" dirty="0">
+                <a:solidFill>
+                  <a:prstClr val="black"/>
+                </a:solidFill>
+                <a:latin typeface="나눔스퀘어_ac Light" panose="020B0600000101010101" pitchFamily="50" charset="-127"/>
+                <a:ea typeface="나눔스퀘어_ac Light" panose="020B0600000101010101" pitchFamily="50" charset="-127"/>
+              </a:endParaRPr>
+            </a:p>
+            <a:p>
+              <a:pPr algn="ctr"/>
+              <a:endParaRPr lang="ko-KR" altLang="en-US" sz="1400" b="1" dirty="0"/>
+            </a:p>
+          </p:txBody>
+        </p:sp>
+        <p:sp>
+          <p:nvSpPr>
+            <p:cNvPr id="2144" name="사각형: 둥근 모서리 2143">
+              <a:extLst>
+                <a:ext uri="{FF2B5EF4-FFF2-40B4-BE49-F238E27FC236}">
+                  <a16:creationId xmlns:a16="http://schemas.microsoft.com/office/drawing/2014/main" id="{8CE43077-2AAC-4FF6-73FF-150C4DC950D4}"/>
+                </a:ext>
+              </a:extLst>
+            </p:cNvPr>
+            <p:cNvSpPr/>
+            <p:nvPr/>
+          </p:nvSpPr>
+          <p:spPr>
+            <a:xfrm>
+              <a:off x="6978986" y="4999292"/>
+              <a:ext cx="575727" cy="195305"/>
+            </a:xfrm>
+            <a:prstGeom prst="roundRect">
+              <a:avLst>
+                <a:gd name="adj" fmla="val 50000"/>
+              </a:avLst>
+            </a:prstGeom>
+            <a:solidFill>
+              <a:schemeClr val="bg1"/>
+            </a:solidFill>
+            <a:ln w="6350">
+              <a:noFill/>
+            </a:ln>
+          </p:spPr>
+          <p:style>
+            <a:lnRef idx="2">
+              <a:schemeClr val="accent1">
+                <a:shade val="50000"/>
+              </a:schemeClr>
+            </a:lnRef>
+            <a:fillRef idx="1">
+              <a:schemeClr val="accent1"/>
+            </a:fillRef>
+            <a:effectRef idx="0">
+              <a:schemeClr val="accent1"/>
+            </a:effectRef>
+            <a:fontRef idx="minor">
+              <a:schemeClr val="lt1"/>
+            </a:fontRef>
+          </p:style>
+          <p:txBody>
+            <a:bodyPr lIns="0" tIns="0" rIns="0" bIns="0" rtlCol="0" anchor="ctr"/>
+            <a:lstStyle/>
+            <a:p>
+              <a:pPr algn="ctr"/>
+              <a:r>
+                <a:rPr lang="ko-KR" altLang="en-US" sz="600" b="1" dirty="0">
+                  <a:solidFill>
+                    <a:schemeClr val="tx1"/>
+                  </a:solidFill>
+                </a:rPr>
+                <a:t>확인</a:t>
+              </a:r>
+            </a:p>
+          </p:txBody>
+        </p:sp>
+        <p:sp>
+          <p:nvSpPr>
+            <p:cNvPr id="2145" name="사각형: 둥근 모서리 2144">
+              <a:extLst>
+                <a:ext uri="{FF2B5EF4-FFF2-40B4-BE49-F238E27FC236}">
+                  <a16:creationId xmlns:a16="http://schemas.microsoft.com/office/drawing/2014/main" id="{660A6946-70E0-2A03-5F13-8F0AD43B2835}"/>
+                </a:ext>
+              </a:extLst>
+            </p:cNvPr>
+            <p:cNvSpPr/>
+            <p:nvPr/>
+          </p:nvSpPr>
+          <p:spPr>
+            <a:xfrm>
+              <a:off x="6364599" y="4999292"/>
+              <a:ext cx="575727" cy="195305"/>
+            </a:xfrm>
+            <a:prstGeom prst="roundRect">
+              <a:avLst>
+                <a:gd name="adj" fmla="val 50000"/>
+              </a:avLst>
+            </a:prstGeom>
+            <a:solidFill>
+              <a:schemeClr val="bg1"/>
+            </a:solidFill>
+            <a:ln w="6350">
+              <a:noFill/>
+            </a:ln>
+          </p:spPr>
+          <p:style>
+            <a:lnRef idx="2">
+              <a:schemeClr val="accent1">
+                <a:shade val="50000"/>
+              </a:schemeClr>
+            </a:lnRef>
+            <a:fillRef idx="1">
+              <a:schemeClr val="accent1"/>
+            </a:fillRef>
+            <a:effectRef idx="0">
+              <a:schemeClr val="accent1"/>
+            </a:effectRef>
+            <a:fontRef idx="minor">
+              <a:schemeClr val="lt1"/>
+            </a:fontRef>
+          </p:style>
+          <p:txBody>
+            <a:bodyPr lIns="0" tIns="0" rIns="0" bIns="0" rtlCol="0" anchor="ctr"/>
+            <a:lstStyle/>
+            <a:p>
+              <a:pPr algn="ctr"/>
+              <a:r>
+                <a:rPr lang="ko-KR" altLang="en-US" sz="600" b="1" dirty="0">
+                  <a:solidFill>
+                    <a:schemeClr val="tx1"/>
+                  </a:solidFill>
+                </a:rPr>
+                <a:t>취소</a:t>
+              </a:r>
+            </a:p>
+          </p:txBody>
+        </p:sp>
+      </p:grpSp>
+      <p:pic>
+        <p:nvPicPr>
+          <p:cNvPr id="2147" name="Picture 2" descr="Tap ">
+            <a:extLst>
+              <a:ext uri="{FF2B5EF4-FFF2-40B4-BE49-F238E27FC236}">
+                <a16:creationId xmlns:a16="http://schemas.microsoft.com/office/drawing/2014/main" id="{5A43A022-0082-1822-D835-97D71A816D96}"/>
+              </a:ext>
+            </a:extLst>
+          </p:cNvPr>
+          <p:cNvPicPr>
+            <a:picLocks noChangeAspect="1" noChangeArrowheads="1"/>
+          </p:cNvPicPr>
+          <p:nvPr/>
+        </p:nvPicPr>
+        <p:blipFill>
+          <a:blip r:embed="rId5">
+            <a:extLst>
+              <a:ext uri="{28A0092B-C50C-407E-A947-70E740481C1C}">
+                <a14:useLocalDpi xmlns:a14="http://schemas.microsoft.com/office/drawing/2010/main" val="0"/>
+              </a:ext>
+            </a:extLst>
+          </a:blip>
+          <a:srcRect/>
+          <a:stretch>
+            <a:fillRect/>
+          </a:stretch>
+        </p:blipFill>
+        <p:spPr bwMode="auto">
+          <a:xfrm>
+            <a:off x="10120577" y="4634143"/>
+            <a:ext cx="503802" cy="503802"/>
+          </a:xfrm>
+          <a:prstGeom prst="rect">
+            <a:avLst/>
+          </a:prstGeom>
+          <a:noFill/>
+          <a:extLst>
+            <a:ext uri="{909E8E84-426E-40DD-AFC4-6F175D3DCCD1}">
+              <a14:hiddenFill xmlns:a14="http://schemas.microsoft.com/office/drawing/2010/main">
+                <a:solidFill>
+                  <a:srgbClr val="FFFFFF"/>
+                </a:solidFill>
+              </a14:hiddenFill>
+            </a:ext>
+          </a:extLst>
+        </p:spPr>
+      </p:pic>
+      <p:pic>
+        <p:nvPicPr>
+          <p:cNvPr id="2149" name="그림 2148">
+            <a:extLst>
+              <a:ext uri="{FF2B5EF4-FFF2-40B4-BE49-F238E27FC236}">
+                <a16:creationId xmlns:a16="http://schemas.microsoft.com/office/drawing/2014/main" id="{0DCF2E13-70AD-2CF9-16E9-63657F1237C3}"/>
+              </a:ext>
+            </a:extLst>
+          </p:cNvPr>
+          <p:cNvPicPr>
+            <a:picLocks noChangeAspect="1"/>
+          </p:cNvPicPr>
+          <p:nvPr/>
+        </p:nvPicPr>
+        <p:blipFill>
+          <a:blip r:embed="rId7"/>
+          <a:stretch>
+            <a:fillRect/>
+          </a:stretch>
+        </p:blipFill>
+        <p:spPr>
+          <a:xfrm>
+            <a:off x="4860744" y="3921434"/>
+            <a:ext cx="2468717" cy="1434943"/>
+          </a:xfrm>
+          <a:prstGeom prst="rect">
+            <a:avLst/>
+          </a:prstGeom>
+        </p:spPr>
+      </p:pic>
+      <p:pic>
+        <p:nvPicPr>
+          <p:cNvPr id="2151" name="Picture 2" descr="Tap ">
+            <a:extLst>
+              <a:ext uri="{FF2B5EF4-FFF2-40B4-BE49-F238E27FC236}">
+                <a16:creationId xmlns:a16="http://schemas.microsoft.com/office/drawing/2014/main" id="{2B56FC1D-CF40-D5BA-436E-28095011B259}"/>
+              </a:ext>
+            </a:extLst>
+          </p:cNvPr>
+          <p:cNvPicPr>
+            <a:picLocks noChangeAspect="1" noChangeArrowheads="1"/>
+          </p:cNvPicPr>
+          <p:nvPr/>
+        </p:nvPicPr>
+        <p:blipFill>
+          <a:blip r:embed="rId5">
+            <a:extLst>
+              <a:ext uri="{28A0092B-C50C-407E-A947-70E740481C1C}">
+                <a14:useLocalDpi xmlns:a14="http://schemas.microsoft.com/office/drawing/2010/main" val="0"/>
+              </a:ext>
+            </a:extLst>
+          </a:blip>
+          <a:srcRect/>
+          <a:stretch>
+            <a:fillRect/>
+          </a:stretch>
+        </p:blipFill>
+        <p:spPr bwMode="auto">
+          <a:xfrm>
+            <a:off x="6623548" y="5180025"/>
+            <a:ext cx="503802" cy="503802"/>
+          </a:xfrm>
+          <a:prstGeom prst="rect">
+            <a:avLst/>
+          </a:prstGeom>
+          <a:noFill/>
+          <a:extLst>
+            <a:ext uri="{909E8E84-426E-40DD-AFC4-6F175D3DCCD1}">
+              <a14:hiddenFill xmlns:a14="http://schemas.microsoft.com/office/drawing/2010/main">
+                <a:solidFill>
+                  <a:srgbClr val="FFFFFF"/>
+                </a:solidFill>
+              </a14:hiddenFill>
+            </a:ext>
+          </a:extLst>
+        </p:spPr>
+      </p:pic>
+      <p:sp>
+        <p:nvSpPr>
+          <p:cNvPr id="2152" name="직사각형 2151">
+            <a:extLst>
+              <a:ext uri="{FF2B5EF4-FFF2-40B4-BE49-F238E27FC236}">
+                <a16:creationId xmlns:a16="http://schemas.microsoft.com/office/drawing/2014/main" id="{838254C1-93CC-3054-4A5E-EF61DEA55CF9}"/>
+              </a:ext>
+            </a:extLst>
+          </p:cNvPr>
+          <p:cNvSpPr/>
+          <p:nvPr/>
+        </p:nvSpPr>
+        <p:spPr>
+          <a:xfrm>
+            <a:off x="644867" y="3662412"/>
+            <a:ext cx="3429076" cy="1900153"/>
+          </a:xfrm>
+          <a:prstGeom prst="rect">
+            <a:avLst/>
+          </a:prstGeom>
+          <a:solidFill>
+            <a:schemeClr val="tx1"/>
+          </a:solidFill>
+          <a:ln w="28575">
+            <a:noFill/>
+          </a:ln>
+        </p:spPr>
+        <p:style>
+          <a:lnRef idx="2">
+            <a:schemeClr val="accent1">
+              <a:shade val="50000"/>
+            </a:schemeClr>
+          </a:lnRef>
+          <a:fillRef idx="1">
+            <a:schemeClr val="accent1"/>
+          </a:fillRef>
+          <a:effectRef idx="0">
+            <a:schemeClr val="accent1"/>
+          </a:effectRef>
+          <a:fontRef idx="minor">
+            <a:schemeClr val="lt1"/>
+          </a:fontRef>
+        </p:style>
+        <p:txBody>
+          <a:bodyPr lIns="0" tIns="0" rIns="0" bIns="0" rtlCol="0" anchor="t"/>
+          <a:lstStyle/>
+          <a:p>
+            <a:r>
+              <a:rPr lang="en-US" altLang="ko-KR" sz="800" dirty="0"/>
+              <a:t>2</a:t>
+            </a:r>
+            <a:r>
+              <a:rPr lang="ko-KR" altLang="en-US" sz="800" dirty="0"/>
+              <a:t>번 세계관 배경 </a:t>
+            </a:r>
+            <a:r>
+              <a:rPr lang="en-US" altLang="ko-KR" sz="800" dirty="0"/>
+              <a:t>&amp; </a:t>
+            </a:r>
+            <a:r>
+              <a:rPr lang="ko-KR" altLang="en-US" sz="800" dirty="0"/>
+              <a:t>선택한 캐릭터 배치된 상태</a:t>
+            </a:r>
+          </a:p>
+        </p:txBody>
+      </p:sp>
+      <p:cxnSp>
+        <p:nvCxnSpPr>
+          <p:cNvPr id="2154" name="직선 화살표 연결선 2153">
+            <a:extLst>
+              <a:ext uri="{FF2B5EF4-FFF2-40B4-BE49-F238E27FC236}">
+                <a16:creationId xmlns:a16="http://schemas.microsoft.com/office/drawing/2014/main" id="{6CA9DD4A-72D5-CEB3-D037-0655E83F6027}"/>
+              </a:ext>
+            </a:extLst>
+          </p:cNvPr>
+          <p:cNvCxnSpPr>
+            <a:cxnSpLocks/>
+            <a:stCxn id="2067" idx="3"/>
+            <a:endCxn id="2092" idx="1"/>
+          </p:cNvCxnSpPr>
+          <p:nvPr/>
+        </p:nvCxnSpPr>
+        <p:spPr>
+          <a:xfrm>
+            <a:off x="4073943" y="2304172"/>
+            <a:ext cx="306624" cy="0"/>
+          </a:xfrm>
+          <a:prstGeom prst="straightConnector1">
+            <a:avLst/>
+          </a:prstGeom>
+          <a:ln w="12700">
+            <a:solidFill>
+              <a:schemeClr val="bg1"/>
+            </a:solidFill>
+            <a:tailEnd type="triangle"/>
+          </a:ln>
+        </p:spPr>
+        <p:style>
+          <a:lnRef idx="1">
+            <a:schemeClr val="accent1"/>
+          </a:lnRef>
+          <a:fillRef idx="0">
+            <a:schemeClr val="accent1"/>
+          </a:fillRef>
+          <a:effectRef idx="0">
+            <a:schemeClr val="accent1"/>
+          </a:effectRef>
+          <a:fontRef idx="minor">
+            <a:schemeClr val="tx1"/>
+          </a:fontRef>
+        </p:style>
+      </p:cxnSp>
+      <p:cxnSp>
+        <p:nvCxnSpPr>
+          <p:cNvPr id="2159" name="직선 화살표 연결선 2158">
+            <a:extLst>
+              <a:ext uri="{FF2B5EF4-FFF2-40B4-BE49-F238E27FC236}">
+                <a16:creationId xmlns:a16="http://schemas.microsoft.com/office/drawing/2014/main" id="{C78512C0-CF6C-D100-8B11-0D9D5F10EFDE}"/>
+              </a:ext>
+            </a:extLst>
+          </p:cNvPr>
+          <p:cNvCxnSpPr>
+            <a:cxnSpLocks/>
+          </p:cNvCxnSpPr>
+          <p:nvPr/>
+        </p:nvCxnSpPr>
+        <p:spPr>
+          <a:xfrm>
+            <a:off x="7809643" y="2304172"/>
+            <a:ext cx="306624" cy="0"/>
+          </a:xfrm>
+          <a:prstGeom prst="straightConnector1">
+            <a:avLst/>
+          </a:prstGeom>
+          <a:ln w="12700">
+            <a:solidFill>
+              <a:schemeClr val="bg1"/>
+            </a:solidFill>
+            <a:tailEnd type="triangle"/>
+          </a:ln>
+        </p:spPr>
+        <p:style>
+          <a:lnRef idx="1">
+            <a:schemeClr val="accent1"/>
+          </a:lnRef>
+          <a:fillRef idx="0">
+            <a:schemeClr val="accent1"/>
+          </a:fillRef>
+          <a:effectRef idx="0">
+            <a:schemeClr val="accent1"/>
+          </a:effectRef>
+          <a:fontRef idx="minor">
+            <a:schemeClr val="tx1"/>
+          </a:fontRef>
+        </p:style>
+      </p:cxnSp>
+      <p:cxnSp>
+        <p:nvCxnSpPr>
+          <p:cNvPr id="2162" name="직선 화살표 연결선 2161">
+            <a:extLst>
+              <a:ext uri="{FF2B5EF4-FFF2-40B4-BE49-F238E27FC236}">
+                <a16:creationId xmlns:a16="http://schemas.microsoft.com/office/drawing/2014/main" id="{10C8167C-1BC4-941C-A8F2-15857DE303D1}"/>
+              </a:ext>
+            </a:extLst>
+          </p:cNvPr>
+          <p:cNvCxnSpPr>
+            <a:cxnSpLocks/>
+            <a:stCxn id="2138" idx="3"/>
+            <a:endCxn id="2140" idx="3"/>
+          </p:cNvCxnSpPr>
+          <p:nvPr/>
+        </p:nvCxnSpPr>
+        <p:spPr>
+          <a:xfrm>
+            <a:off x="11547131" y="2304172"/>
+            <a:ext cx="12700" cy="2309498"/>
+          </a:xfrm>
+          <a:prstGeom prst="bentConnector3">
+            <a:avLst>
+              <a:gd name="adj1" fmla="val 1800000"/>
+            </a:avLst>
+          </a:prstGeom>
+          <a:ln w="12700">
+            <a:solidFill>
+              <a:schemeClr val="bg1"/>
+            </a:solidFill>
+            <a:tailEnd type="triangle"/>
+          </a:ln>
+        </p:spPr>
+        <p:style>
+          <a:lnRef idx="1">
+            <a:schemeClr val="accent1"/>
+          </a:lnRef>
+          <a:fillRef idx="0">
+            <a:schemeClr val="accent1"/>
+          </a:fillRef>
+          <a:effectRef idx="0">
+            <a:schemeClr val="accent1"/>
+          </a:effectRef>
+          <a:fontRef idx="minor">
+            <a:schemeClr val="tx1"/>
+          </a:fontRef>
+        </p:style>
+      </p:cxnSp>
+      <p:sp>
+        <p:nvSpPr>
+          <p:cNvPr id="2166" name="직사각형 2165">
+            <a:extLst>
+              <a:ext uri="{FF2B5EF4-FFF2-40B4-BE49-F238E27FC236}">
+                <a16:creationId xmlns:a16="http://schemas.microsoft.com/office/drawing/2014/main" id="{910723EE-9FB0-1F55-898F-17111565F952}"/>
+              </a:ext>
+            </a:extLst>
+          </p:cNvPr>
+          <p:cNvSpPr/>
+          <p:nvPr/>
+        </p:nvSpPr>
+        <p:spPr>
+          <a:xfrm>
+            <a:off x="667320" y="3282905"/>
+            <a:ext cx="3256980" cy="199150"/>
+          </a:xfrm>
+          <a:prstGeom prst="rect">
+            <a:avLst/>
+          </a:prstGeom>
+          <a:noFill/>
+          <a:ln w="12700">
+            <a:noFill/>
+          </a:ln>
+        </p:spPr>
+        <p:style>
+          <a:lnRef idx="2">
+            <a:schemeClr val="accent1">
+              <a:shade val="50000"/>
+            </a:schemeClr>
+          </a:lnRef>
+          <a:fillRef idx="1">
+            <a:schemeClr val="accent1"/>
+          </a:fillRef>
+          <a:effectRef idx="0">
+            <a:schemeClr val="accent1"/>
+          </a:effectRef>
+          <a:fontRef idx="minor">
+            <a:schemeClr val="lt1"/>
+          </a:fontRef>
+        </p:style>
+        <p:txBody>
+          <a:bodyPr lIns="0" tIns="0" rIns="0" bIns="0" rtlCol="0" anchor="t"/>
+          <a:lstStyle/>
+          <a:p>
+            <a:pPr marL="171450" indent="-171450">
+              <a:buFont typeface="Wingdings" panose="05000000000000000000" pitchFamily="2" charset="2"/>
+              <a:buChar char="ü"/>
+              <a:defRPr/>
+            </a:pPr>
+            <a:r>
+              <a:rPr lang="ko-KR" altLang="en-US" sz="800" dirty="0">
+                <a:solidFill>
+                  <a:schemeClr val="bg1"/>
+                </a:solidFill>
+                <a:latin typeface="나눔스퀘어_ac Light" panose="020B0600000101010101" pitchFamily="50" charset="-127"/>
+                <a:ea typeface="나눔스퀘어_ac Light" panose="020B0600000101010101" pitchFamily="50" charset="-127"/>
+              </a:rPr>
+              <a:t>자신이 조정하고 싶은 세계관 선택</a:t>
+            </a:r>
+            <a:endParaRPr lang="en-US" altLang="ko-KR" sz="800" dirty="0">
+              <a:solidFill>
+                <a:schemeClr val="bg1"/>
+              </a:solidFill>
+              <a:latin typeface="나눔스퀘어_ac Light" panose="020B0600000101010101" pitchFamily="50" charset="-127"/>
+              <a:ea typeface="나눔스퀘어_ac Light" panose="020B0600000101010101" pitchFamily="50" charset="-127"/>
+            </a:endParaRPr>
+          </a:p>
+        </p:txBody>
+      </p:sp>
+      <p:sp>
+        <p:nvSpPr>
+          <p:cNvPr id="2167" name="직사각형 2166">
+            <a:extLst>
+              <a:ext uri="{FF2B5EF4-FFF2-40B4-BE49-F238E27FC236}">
+                <a16:creationId xmlns:a16="http://schemas.microsoft.com/office/drawing/2014/main" id="{DAC9D0F9-EC69-84E7-8DF6-AE32BE1D3182}"/>
+              </a:ext>
+            </a:extLst>
+          </p:cNvPr>
+          <p:cNvSpPr/>
+          <p:nvPr/>
+        </p:nvSpPr>
+        <p:spPr>
+          <a:xfrm>
+            <a:off x="4380567" y="3282905"/>
+            <a:ext cx="3106083" cy="199150"/>
+          </a:xfrm>
+          <a:prstGeom prst="rect">
+            <a:avLst/>
+          </a:prstGeom>
+          <a:noFill/>
+          <a:ln w="12700">
+            <a:noFill/>
+          </a:ln>
+        </p:spPr>
+        <p:style>
+          <a:lnRef idx="2">
+            <a:schemeClr val="accent1">
+              <a:shade val="50000"/>
+            </a:schemeClr>
+          </a:lnRef>
+          <a:fillRef idx="1">
+            <a:schemeClr val="accent1"/>
+          </a:fillRef>
+          <a:effectRef idx="0">
+            <a:schemeClr val="accent1"/>
+          </a:effectRef>
+          <a:fontRef idx="minor">
+            <a:schemeClr val="lt1"/>
+          </a:fontRef>
+        </p:style>
+        <p:txBody>
+          <a:bodyPr lIns="0" tIns="0" rIns="0" bIns="0" rtlCol="0" anchor="t"/>
+          <a:lstStyle/>
+          <a:p>
+            <a:pPr marL="171450" indent="-171450">
+              <a:buFont typeface="Wingdings" panose="05000000000000000000" pitchFamily="2" charset="2"/>
+              <a:buChar char="ü"/>
+              <a:defRPr/>
+            </a:pPr>
+            <a:r>
+              <a:rPr lang="ko-KR" altLang="en-US" sz="800" dirty="0">
+                <a:solidFill>
+                  <a:schemeClr val="bg1"/>
+                </a:solidFill>
+                <a:latin typeface="나눔스퀘어_ac Light" panose="020B0600000101010101" pitchFamily="50" charset="-127"/>
+                <a:ea typeface="나눔스퀘어_ac Light" panose="020B0600000101010101" pitchFamily="50" charset="-127"/>
+              </a:rPr>
+              <a:t>선택한 세계관 내</a:t>
+            </a:r>
+            <a:r>
+              <a:rPr lang="en-US" altLang="ko-KR" sz="800" dirty="0">
+                <a:solidFill>
+                  <a:schemeClr val="bg1"/>
+                </a:solidFill>
+                <a:latin typeface="나눔스퀘어_ac Light" panose="020B0600000101010101" pitchFamily="50" charset="-127"/>
+                <a:ea typeface="나눔스퀘어_ac Light" panose="020B0600000101010101" pitchFamily="50" charset="-127"/>
+              </a:rPr>
+              <a:t>, </a:t>
+            </a:r>
+            <a:r>
+              <a:rPr lang="ko-KR" altLang="en-US" sz="800" dirty="0">
+                <a:solidFill>
+                  <a:schemeClr val="bg1"/>
+                </a:solidFill>
+                <a:latin typeface="나눔스퀘어_ac Light" panose="020B0600000101010101" pitchFamily="50" charset="-127"/>
+                <a:ea typeface="나눔스퀘어_ac Light" panose="020B0600000101010101" pitchFamily="50" charset="-127"/>
+              </a:rPr>
+              <a:t>배치할 수 있는 캐릭터 선택</a:t>
+            </a:r>
+            <a:endParaRPr lang="en-US" altLang="ko-KR" sz="800" dirty="0">
+              <a:solidFill>
+                <a:schemeClr val="bg1"/>
+              </a:solidFill>
+              <a:latin typeface="나눔스퀘어_ac Light" panose="020B0600000101010101" pitchFamily="50" charset="-127"/>
+              <a:ea typeface="나눔스퀘어_ac Light" panose="020B0600000101010101" pitchFamily="50" charset="-127"/>
+            </a:endParaRPr>
+          </a:p>
+          <a:p>
+            <a:pPr marL="171450" indent="-171450">
+              <a:buFont typeface="Wingdings" panose="05000000000000000000" pitchFamily="2" charset="2"/>
+              <a:buChar char="ü"/>
+              <a:defRPr/>
+            </a:pPr>
+            <a:r>
+              <a:rPr lang="ko-KR" altLang="en-US" sz="800" dirty="0">
+                <a:solidFill>
+                  <a:schemeClr val="bg1"/>
+                </a:solidFill>
+                <a:latin typeface="나눔스퀘어_ac Light" panose="020B0600000101010101" pitchFamily="50" charset="-127"/>
+                <a:ea typeface="나눔스퀘어_ac Light" panose="020B0600000101010101" pitchFamily="50" charset="-127"/>
+              </a:rPr>
+              <a:t>해당 세계관 배치 포인트소모 시</a:t>
+            </a:r>
+            <a:r>
+              <a:rPr lang="en-US" altLang="ko-KR" sz="800" dirty="0">
+                <a:solidFill>
+                  <a:schemeClr val="bg1"/>
+                </a:solidFill>
+                <a:latin typeface="나눔스퀘어_ac Light" panose="020B0600000101010101" pitchFamily="50" charset="-127"/>
+                <a:ea typeface="나눔스퀘어_ac Light" panose="020B0600000101010101" pitchFamily="50" charset="-127"/>
+              </a:rPr>
+              <a:t>, </a:t>
+            </a:r>
+            <a:r>
+              <a:rPr lang="ko-KR" altLang="en-US" sz="800" dirty="0">
+                <a:solidFill>
+                  <a:schemeClr val="bg1"/>
+                </a:solidFill>
+                <a:latin typeface="나눔스퀘어_ac Light" panose="020B0600000101010101" pitchFamily="50" charset="-127"/>
+                <a:ea typeface="나눔스퀘어_ac Light" panose="020B0600000101010101" pitchFamily="50" charset="-127"/>
+              </a:rPr>
+              <a:t>캐릭터 추가 배치 불가</a:t>
+            </a:r>
+            <a:endParaRPr lang="en-US" altLang="ko-KR" sz="800" dirty="0">
+              <a:solidFill>
+                <a:schemeClr val="bg1"/>
+              </a:solidFill>
+              <a:latin typeface="나눔스퀘어_ac Light" panose="020B0600000101010101" pitchFamily="50" charset="-127"/>
+              <a:ea typeface="나눔스퀘어_ac Light" panose="020B0600000101010101" pitchFamily="50" charset="-127"/>
+            </a:endParaRPr>
+          </a:p>
+        </p:txBody>
+      </p:sp>
+      <p:sp>
+        <p:nvSpPr>
+          <p:cNvPr id="2168" name="직사각형 2167">
+            <a:extLst>
+              <a:ext uri="{FF2B5EF4-FFF2-40B4-BE49-F238E27FC236}">
+                <a16:creationId xmlns:a16="http://schemas.microsoft.com/office/drawing/2014/main" id="{82C3B7BF-843F-4FDF-FE50-2E739A3FD3D6}"/>
+              </a:ext>
+            </a:extLst>
+          </p:cNvPr>
+          <p:cNvSpPr/>
+          <p:nvPr/>
+        </p:nvSpPr>
+        <p:spPr>
+          <a:xfrm>
+            <a:off x="8121868" y="3282905"/>
+            <a:ext cx="3320832" cy="199150"/>
+          </a:xfrm>
+          <a:prstGeom prst="rect">
+            <a:avLst/>
+          </a:prstGeom>
+          <a:noFill/>
+          <a:ln w="12700">
+            <a:noFill/>
+          </a:ln>
+        </p:spPr>
+        <p:style>
+          <a:lnRef idx="2">
+            <a:schemeClr val="accent1">
+              <a:shade val="50000"/>
+            </a:schemeClr>
+          </a:lnRef>
+          <a:fillRef idx="1">
+            <a:schemeClr val="accent1"/>
+          </a:fillRef>
+          <a:effectRef idx="0">
+            <a:schemeClr val="accent1"/>
+          </a:effectRef>
+          <a:fontRef idx="minor">
+            <a:schemeClr val="lt1"/>
+          </a:fontRef>
+        </p:style>
+        <p:txBody>
+          <a:bodyPr lIns="0" tIns="0" rIns="0" bIns="0" rtlCol="0" anchor="t"/>
+          <a:lstStyle/>
+          <a:p>
+            <a:pPr marL="171450" indent="-171450">
+              <a:buFont typeface="Wingdings" panose="05000000000000000000" pitchFamily="2" charset="2"/>
+              <a:buChar char="ü"/>
+              <a:defRPr/>
+            </a:pPr>
+            <a:r>
+              <a:rPr lang="ko-KR" altLang="en-US" sz="800" dirty="0">
+                <a:solidFill>
+                  <a:schemeClr val="bg1"/>
+                </a:solidFill>
+                <a:latin typeface="나눔스퀘어_ac Light" panose="020B0600000101010101" pitchFamily="50" charset="-127"/>
+                <a:ea typeface="나눔스퀘어_ac Light" panose="020B0600000101010101" pitchFamily="50" charset="-127"/>
+              </a:rPr>
+              <a:t>캐릭터 선택 시</a:t>
+            </a:r>
+            <a:r>
+              <a:rPr lang="en-US" altLang="ko-KR" sz="800" dirty="0">
+                <a:solidFill>
+                  <a:schemeClr val="bg1"/>
+                </a:solidFill>
+                <a:latin typeface="나눔스퀘어_ac Light" panose="020B0600000101010101" pitchFamily="50" charset="-127"/>
+                <a:ea typeface="나눔스퀘어_ac Light" panose="020B0600000101010101" pitchFamily="50" charset="-127"/>
+              </a:rPr>
+              <a:t>, </a:t>
+            </a:r>
+            <a:r>
+              <a:rPr lang="ko-KR" altLang="en-US" sz="800" dirty="0">
+                <a:solidFill>
+                  <a:schemeClr val="bg1"/>
+                </a:solidFill>
+                <a:latin typeface="나눔스퀘어_ac Light" panose="020B0600000101010101" pitchFamily="50" charset="-127"/>
+                <a:ea typeface="나눔스퀘어_ac Light" panose="020B0600000101010101" pitchFamily="50" charset="-127"/>
+              </a:rPr>
+              <a:t>해당 캐릭터에 해당하는 포인트 충전</a:t>
+            </a:r>
+            <a:endParaRPr lang="en-US" altLang="ko-KR" sz="800" dirty="0">
+              <a:solidFill>
+                <a:schemeClr val="bg1"/>
+              </a:solidFill>
+              <a:latin typeface="나눔스퀘어_ac Light" panose="020B0600000101010101" pitchFamily="50" charset="-127"/>
+              <a:ea typeface="나눔스퀘어_ac Light" panose="020B0600000101010101" pitchFamily="50" charset="-127"/>
+            </a:endParaRPr>
+          </a:p>
+          <a:p>
+            <a:pPr marL="171450" indent="-171450">
+              <a:buFont typeface="Wingdings" panose="05000000000000000000" pitchFamily="2" charset="2"/>
+              <a:buChar char="ü"/>
+              <a:defRPr/>
+            </a:pPr>
+            <a:r>
+              <a:rPr lang="en-US" altLang="ko-KR" sz="800" dirty="0">
+                <a:solidFill>
+                  <a:schemeClr val="bg1"/>
+                </a:solidFill>
+                <a:latin typeface="나눔스퀘어_ac Light" panose="020B0600000101010101" pitchFamily="50" charset="-127"/>
+                <a:ea typeface="나눔스퀘어_ac Light" panose="020B0600000101010101" pitchFamily="50" charset="-127"/>
+              </a:rPr>
+              <a:t>[</a:t>
+            </a:r>
+            <a:r>
+              <a:rPr lang="ko-KR" altLang="en-US" sz="800" dirty="0">
+                <a:solidFill>
+                  <a:schemeClr val="bg1"/>
+                </a:solidFill>
+                <a:latin typeface="나눔스퀘어_ac Light" panose="020B0600000101010101" pitchFamily="50" charset="-127"/>
+                <a:ea typeface="나눔스퀘어_ac Light" panose="020B0600000101010101" pitchFamily="50" charset="-127"/>
+              </a:rPr>
+              <a:t>저장</a:t>
+            </a:r>
+            <a:r>
+              <a:rPr lang="en-US" altLang="ko-KR" sz="800" dirty="0">
+                <a:solidFill>
+                  <a:schemeClr val="bg1"/>
+                </a:solidFill>
+                <a:latin typeface="나눔스퀘어_ac Light" panose="020B0600000101010101" pitchFamily="50" charset="-127"/>
+                <a:ea typeface="나눔스퀘어_ac Light" panose="020B0600000101010101" pitchFamily="50" charset="-127"/>
+              </a:rPr>
+              <a:t>] </a:t>
+            </a:r>
+            <a:r>
+              <a:rPr lang="ko-KR" altLang="en-US" sz="800" dirty="0">
+                <a:solidFill>
+                  <a:schemeClr val="bg1"/>
+                </a:solidFill>
+                <a:latin typeface="나눔스퀘어_ac Light" panose="020B0600000101010101" pitchFamily="50" charset="-127"/>
+                <a:ea typeface="나눔스퀘어_ac Light" panose="020B0600000101010101" pitchFamily="50" charset="-127"/>
+              </a:rPr>
+              <a:t>버튼 상호작용을 통해 해당 정보로 저장</a:t>
+            </a:r>
+            <a:endParaRPr lang="en-US" altLang="ko-KR" sz="800" dirty="0">
+              <a:solidFill>
+                <a:schemeClr val="bg1"/>
+              </a:solidFill>
+              <a:latin typeface="나눔스퀘어_ac Light" panose="020B0600000101010101" pitchFamily="50" charset="-127"/>
+              <a:ea typeface="나눔스퀘어_ac Light" panose="020B0600000101010101" pitchFamily="50" charset="-127"/>
+            </a:endParaRPr>
+          </a:p>
+          <a:p>
+            <a:pPr marL="171450" indent="-171450">
+              <a:buFont typeface="Wingdings" panose="05000000000000000000" pitchFamily="2" charset="2"/>
+              <a:buChar char="ü"/>
+              <a:defRPr/>
+            </a:pPr>
+            <a:endParaRPr lang="en-US" altLang="ko-KR" sz="800" dirty="0">
+              <a:solidFill>
+                <a:schemeClr val="bg1"/>
+              </a:solidFill>
+              <a:latin typeface="나눔스퀘어_ac Light" panose="020B0600000101010101" pitchFamily="50" charset="-127"/>
+              <a:ea typeface="나눔스퀘어_ac Light" panose="020B0600000101010101" pitchFamily="50" charset="-127"/>
+            </a:endParaRPr>
+          </a:p>
+        </p:txBody>
+      </p:sp>
+      <p:sp>
+        <p:nvSpPr>
+          <p:cNvPr id="2169" name="직사각형 2168">
+            <a:extLst>
+              <a:ext uri="{FF2B5EF4-FFF2-40B4-BE49-F238E27FC236}">
+                <a16:creationId xmlns:a16="http://schemas.microsoft.com/office/drawing/2014/main" id="{3D9164B8-8A93-38E3-F529-05FBCA0D8890}"/>
+              </a:ext>
+            </a:extLst>
+          </p:cNvPr>
+          <p:cNvSpPr/>
+          <p:nvPr/>
+        </p:nvSpPr>
+        <p:spPr>
+          <a:xfrm>
+            <a:off x="8121868" y="5569811"/>
+            <a:ext cx="2329202" cy="199150"/>
+          </a:xfrm>
+          <a:prstGeom prst="rect">
+            <a:avLst/>
+          </a:prstGeom>
+          <a:noFill/>
+          <a:ln w="12700">
+            <a:noFill/>
+          </a:ln>
+        </p:spPr>
+        <p:style>
+          <a:lnRef idx="2">
+            <a:schemeClr val="accent1">
+              <a:shade val="50000"/>
+            </a:schemeClr>
+          </a:lnRef>
+          <a:fillRef idx="1">
+            <a:schemeClr val="accent1"/>
+          </a:fillRef>
+          <a:effectRef idx="0">
+            <a:schemeClr val="accent1"/>
+          </a:effectRef>
+          <a:fontRef idx="minor">
+            <a:schemeClr val="lt1"/>
+          </a:fontRef>
+        </p:style>
+        <p:txBody>
+          <a:bodyPr lIns="0" tIns="0" rIns="0" bIns="0" rtlCol="0" anchor="t"/>
+          <a:lstStyle/>
+          <a:p>
+            <a:pPr marL="171450" indent="-171450">
+              <a:buFont typeface="Wingdings" panose="05000000000000000000" pitchFamily="2" charset="2"/>
+              <a:buChar char="ü"/>
+              <a:defRPr/>
+            </a:pPr>
+            <a:r>
+              <a:rPr lang="ko-KR" altLang="en-US" sz="800" dirty="0">
+                <a:solidFill>
+                  <a:schemeClr val="bg1"/>
+                </a:solidFill>
+                <a:latin typeface="나눔스퀘어_ac Light" panose="020B0600000101010101" pitchFamily="50" charset="-127"/>
+                <a:ea typeface="나눔스퀘어_ac Light" panose="020B0600000101010101" pitchFamily="50" charset="-127"/>
+              </a:rPr>
+              <a:t>배경 저장 확인 팝업 창 생성</a:t>
+            </a:r>
+            <a:endParaRPr lang="en-US" altLang="ko-KR" sz="800" dirty="0">
+              <a:solidFill>
+                <a:schemeClr val="bg1"/>
+              </a:solidFill>
+              <a:latin typeface="나눔스퀘어_ac Light" panose="020B0600000101010101" pitchFamily="50" charset="-127"/>
+              <a:ea typeface="나눔스퀘어_ac Light" panose="020B0600000101010101" pitchFamily="50" charset="-127"/>
+            </a:endParaRPr>
+          </a:p>
+          <a:p>
+            <a:pPr marL="171450" indent="-171450">
+              <a:buFont typeface="Wingdings" panose="05000000000000000000" pitchFamily="2" charset="2"/>
+              <a:buChar char="ü"/>
+              <a:defRPr/>
+            </a:pPr>
+            <a:r>
+              <a:rPr lang="en-US" altLang="ko-KR" sz="800" dirty="0">
+                <a:solidFill>
+                  <a:schemeClr val="bg1"/>
+                </a:solidFill>
+                <a:latin typeface="나눔스퀘어_ac Light" panose="020B0600000101010101" pitchFamily="50" charset="-127"/>
+                <a:ea typeface="나눔스퀘어_ac Light" panose="020B0600000101010101" pitchFamily="50" charset="-127"/>
+              </a:rPr>
+              <a:t>[</a:t>
+            </a:r>
+            <a:r>
+              <a:rPr lang="ko-KR" altLang="en-US" sz="800" dirty="0">
+                <a:solidFill>
+                  <a:schemeClr val="bg1"/>
+                </a:solidFill>
+                <a:latin typeface="나눔스퀘어_ac Light" panose="020B0600000101010101" pitchFamily="50" charset="-127"/>
+                <a:ea typeface="나눔스퀘어_ac Light" panose="020B0600000101010101" pitchFamily="50" charset="-127"/>
+              </a:rPr>
+              <a:t>확인</a:t>
+            </a:r>
+            <a:r>
+              <a:rPr lang="en-US" altLang="ko-KR" sz="800" dirty="0">
+                <a:solidFill>
+                  <a:schemeClr val="bg1"/>
+                </a:solidFill>
+                <a:latin typeface="나눔스퀘어_ac Light" panose="020B0600000101010101" pitchFamily="50" charset="-127"/>
+                <a:ea typeface="나눔스퀘어_ac Light" panose="020B0600000101010101" pitchFamily="50" charset="-127"/>
+              </a:rPr>
+              <a:t>] </a:t>
+            </a:r>
+            <a:r>
+              <a:rPr lang="ko-KR" altLang="en-US" sz="800" dirty="0">
+                <a:solidFill>
+                  <a:schemeClr val="bg1"/>
+                </a:solidFill>
+                <a:latin typeface="나눔스퀘어_ac Light" panose="020B0600000101010101" pitchFamily="50" charset="-127"/>
+                <a:ea typeface="나눔스퀘어_ac Light" panose="020B0600000101010101" pitchFamily="50" charset="-127"/>
+              </a:rPr>
+              <a:t>상호작용 시</a:t>
+            </a:r>
+            <a:r>
+              <a:rPr lang="en-US" altLang="ko-KR" sz="800" dirty="0">
+                <a:solidFill>
+                  <a:schemeClr val="bg1"/>
+                </a:solidFill>
+                <a:latin typeface="나눔스퀘어_ac Light" panose="020B0600000101010101" pitchFamily="50" charset="-127"/>
+                <a:ea typeface="나눔스퀘어_ac Light" panose="020B0600000101010101" pitchFamily="50" charset="-127"/>
+              </a:rPr>
+              <a:t>, </a:t>
+            </a:r>
+            <a:r>
+              <a:rPr lang="ko-KR" altLang="en-US" sz="800" dirty="0">
+                <a:solidFill>
+                  <a:schemeClr val="bg1"/>
+                </a:solidFill>
+                <a:latin typeface="나눔스퀘어_ac Light" panose="020B0600000101010101" pitchFamily="50" charset="-127"/>
+                <a:ea typeface="나눔스퀘어_ac Light" panose="020B0600000101010101" pitchFamily="50" charset="-127"/>
+              </a:rPr>
+              <a:t>해당 배경으로 설정</a:t>
+            </a:r>
+            <a:endParaRPr lang="en-US" altLang="ko-KR" sz="800" dirty="0">
+              <a:solidFill>
+                <a:schemeClr val="bg1"/>
+              </a:solidFill>
+              <a:latin typeface="나눔스퀘어_ac Light" panose="020B0600000101010101" pitchFamily="50" charset="-127"/>
+              <a:ea typeface="나눔스퀘어_ac Light" panose="020B0600000101010101" pitchFamily="50" charset="-127"/>
+            </a:endParaRPr>
+          </a:p>
+        </p:txBody>
+      </p:sp>
+      <p:sp>
+        <p:nvSpPr>
+          <p:cNvPr id="2170" name="직사각형 2169">
+            <a:extLst>
+              <a:ext uri="{FF2B5EF4-FFF2-40B4-BE49-F238E27FC236}">
+                <a16:creationId xmlns:a16="http://schemas.microsoft.com/office/drawing/2014/main" id="{E0C1D6F0-4FD1-1149-DBD2-640EE415C58D}"/>
+              </a:ext>
+            </a:extLst>
+          </p:cNvPr>
+          <p:cNvSpPr/>
+          <p:nvPr/>
+        </p:nvSpPr>
+        <p:spPr>
+          <a:xfrm>
+            <a:off x="4386168" y="5574574"/>
+            <a:ext cx="2329202" cy="199150"/>
+          </a:xfrm>
+          <a:prstGeom prst="rect">
+            <a:avLst/>
+          </a:prstGeom>
+          <a:noFill/>
+          <a:ln w="12700">
+            <a:noFill/>
+          </a:ln>
+        </p:spPr>
+        <p:style>
+          <a:lnRef idx="2">
+            <a:schemeClr val="accent1">
+              <a:shade val="50000"/>
+            </a:schemeClr>
+          </a:lnRef>
+          <a:fillRef idx="1">
+            <a:schemeClr val="accent1"/>
+          </a:fillRef>
+          <a:effectRef idx="0">
+            <a:schemeClr val="accent1"/>
+          </a:effectRef>
+          <a:fontRef idx="minor">
+            <a:schemeClr val="lt1"/>
+          </a:fontRef>
+        </p:style>
+        <p:txBody>
+          <a:bodyPr lIns="0" tIns="0" rIns="0" bIns="0" rtlCol="0" anchor="t"/>
+          <a:lstStyle/>
+          <a:p>
+            <a:pPr marL="171450" indent="-171450">
+              <a:buFont typeface="Wingdings" panose="05000000000000000000" pitchFamily="2" charset="2"/>
+              <a:buChar char="ü"/>
+              <a:defRPr/>
+            </a:pPr>
+            <a:r>
+              <a:rPr lang="en-US" altLang="ko-KR" sz="800" dirty="0">
+                <a:solidFill>
+                  <a:schemeClr val="bg1"/>
+                </a:solidFill>
+                <a:latin typeface="나눔스퀘어_ac Light" panose="020B0600000101010101" pitchFamily="50" charset="-127"/>
+                <a:ea typeface="나눔스퀘어_ac Light" panose="020B0600000101010101" pitchFamily="50" charset="-127"/>
+              </a:rPr>
+              <a:t>[</a:t>
+            </a:r>
+            <a:r>
+              <a:rPr lang="ko-KR" altLang="en-US" sz="800" dirty="0">
+                <a:solidFill>
+                  <a:schemeClr val="bg1"/>
+                </a:solidFill>
+                <a:latin typeface="나눔스퀘어_ac Light" panose="020B0600000101010101" pitchFamily="50" charset="-127"/>
+                <a:ea typeface="나눔스퀘어_ac Light" panose="020B0600000101010101" pitchFamily="50" charset="-127"/>
+              </a:rPr>
+              <a:t>취소</a:t>
+            </a:r>
+            <a:r>
+              <a:rPr lang="en-US" altLang="ko-KR" sz="800" dirty="0">
+                <a:solidFill>
+                  <a:schemeClr val="bg1"/>
+                </a:solidFill>
+                <a:latin typeface="나눔스퀘어_ac Light" panose="020B0600000101010101" pitchFamily="50" charset="-127"/>
+                <a:ea typeface="나눔스퀘어_ac Light" panose="020B0600000101010101" pitchFamily="50" charset="-127"/>
+              </a:rPr>
+              <a:t>] </a:t>
+            </a:r>
+            <a:r>
+              <a:rPr lang="ko-KR" altLang="en-US" sz="800" dirty="0">
+                <a:solidFill>
+                  <a:schemeClr val="bg1"/>
+                </a:solidFill>
+                <a:latin typeface="나눔스퀘어_ac Light" panose="020B0600000101010101" pitchFamily="50" charset="-127"/>
+                <a:ea typeface="나눔스퀘어_ac Light" panose="020B0600000101010101" pitchFamily="50" charset="-127"/>
+              </a:rPr>
+              <a:t>버튼 상호작용 시 </a:t>
+            </a:r>
+            <a:r>
+              <a:rPr lang="en-US" altLang="ko-KR" sz="800" dirty="0">
+                <a:solidFill>
+                  <a:schemeClr val="bg1"/>
+                </a:solidFill>
+                <a:latin typeface="나눔스퀘어_ac Light" panose="020B0600000101010101" pitchFamily="50" charset="-127"/>
+                <a:ea typeface="나눔스퀘어_ac Light" panose="020B0600000101010101" pitchFamily="50" charset="-127"/>
+              </a:rPr>
+              <a:t>[</a:t>
+            </a:r>
+            <a:r>
+              <a:rPr lang="ko-KR" altLang="en-US" sz="800" dirty="0">
+                <a:solidFill>
+                  <a:schemeClr val="bg1"/>
+                </a:solidFill>
+                <a:latin typeface="나눔스퀘어_ac Light" panose="020B0600000101010101" pitchFamily="50" charset="-127"/>
+                <a:ea typeface="나눔스퀘어_ac Light" panose="020B0600000101010101" pitchFamily="50" charset="-127"/>
+              </a:rPr>
+              <a:t>로비 꾸미기</a:t>
+            </a:r>
+            <a:r>
+              <a:rPr lang="en-US" altLang="ko-KR" sz="800" dirty="0">
+                <a:solidFill>
+                  <a:schemeClr val="bg1"/>
+                </a:solidFill>
+                <a:latin typeface="나눔스퀘어_ac Light" panose="020B0600000101010101" pitchFamily="50" charset="-127"/>
+                <a:ea typeface="나눔스퀘어_ac Light" panose="020B0600000101010101" pitchFamily="50" charset="-127"/>
+              </a:rPr>
+              <a:t>] </a:t>
+            </a:r>
+            <a:r>
+              <a:rPr lang="ko-KR" altLang="en-US" sz="800" dirty="0">
+                <a:solidFill>
+                  <a:schemeClr val="bg1"/>
+                </a:solidFill>
+                <a:latin typeface="나눔스퀘어_ac Light" panose="020B0600000101010101" pitchFamily="50" charset="-127"/>
+                <a:ea typeface="나눔스퀘어_ac Light" panose="020B0600000101010101" pitchFamily="50" charset="-127"/>
+              </a:rPr>
+              <a:t>팝업 창 삭제</a:t>
+            </a:r>
+            <a:endParaRPr lang="en-US" altLang="ko-KR" sz="800" dirty="0">
+              <a:solidFill>
+                <a:schemeClr val="bg1"/>
+              </a:solidFill>
+              <a:latin typeface="나눔스퀘어_ac Light" panose="020B0600000101010101" pitchFamily="50" charset="-127"/>
+              <a:ea typeface="나눔스퀘어_ac Light" panose="020B0600000101010101" pitchFamily="50" charset="-127"/>
+            </a:endParaRPr>
+          </a:p>
+        </p:txBody>
+      </p:sp>
+      <p:cxnSp>
+        <p:nvCxnSpPr>
+          <p:cNvPr id="2176" name="직선 화살표 연결선 2175">
+            <a:extLst>
+              <a:ext uri="{FF2B5EF4-FFF2-40B4-BE49-F238E27FC236}">
+                <a16:creationId xmlns:a16="http://schemas.microsoft.com/office/drawing/2014/main" id="{C009AE4F-5671-31C2-353A-264860C27C97}"/>
+              </a:ext>
+            </a:extLst>
+          </p:cNvPr>
+          <p:cNvCxnSpPr>
+            <a:cxnSpLocks/>
+            <a:stCxn id="2142" idx="1"/>
+            <a:endCxn id="2150" idx="3"/>
+          </p:cNvCxnSpPr>
+          <p:nvPr/>
+        </p:nvCxnSpPr>
+        <p:spPr>
+          <a:xfrm flipH="1">
+            <a:off x="7808749" y="4611349"/>
+            <a:ext cx="309306" cy="0"/>
+          </a:xfrm>
+          <a:prstGeom prst="straightConnector1">
+            <a:avLst/>
+          </a:prstGeom>
+          <a:ln w="12700">
+            <a:solidFill>
+              <a:schemeClr val="bg1"/>
+            </a:solidFill>
+            <a:tailEnd type="triangle"/>
+          </a:ln>
+        </p:spPr>
+        <p:style>
+          <a:lnRef idx="1">
+            <a:schemeClr val="accent1"/>
+          </a:lnRef>
+          <a:fillRef idx="0">
+            <a:schemeClr val="accent1"/>
+          </a:fillRef>
+          <a:effectRef idx="0">
+            <a:schemeClr val="accent1"/>
+          </a:effectRef>
+          <a:fontRef idx="minor">
+            <a:schemeClr val="tx1"/>
+          </a:fontRef>
+        </p:style>
+      </p:cxnSp>
+      <p:cxnSp>
+        <p:nvCxnSpPr>
+          <p:cNvPr id="2184" name="직선 화살표 연결선 2183">
+            <a:extLst>
+              <a:ext uri="{FF2B5EF4-FFF2-40B4-BE49-F238E27FC236}">
+                <a16:creationId xmlns:a16="http://schemas.microsoft.com/office/drawing/2014/main" id="{A4D96CB6-4E8C-B3C9-8C16-7A123C811A64}"/>
+              </a:ext>
+            </a:extLst>
+          </p:cNvPr>
+          <p:cNvCxnSpPr>
+            <a:cxnSpLocks/>
+            <a:stCxn id="2150" idx="1"/>
+            <a:endCxn id="2152" idx="3"/>
+          </p:cNvCxnSpPr>
+          <p:nvPr/>
+        </p:nvCxnSpPr>
+        <p:spPr>
+          <a:xfrm flipH="1">
+            <a:off x="4073943" y="4611349"/>
+            <a:ext cx="305730" cy="1140"/>
+          </a:xfrm>
+          <a:prstGeom prst="straightConnector1">
+            <a:avLst/>
+          </a:prstGeom>
+          <a:ln w="12700">
+            <a:solidFill>
+              <a:schemeClr val="bg1"/>
+            </a:solidFill>
+            <a:tailEnd type="triangle"/>
+          </a:ln>
+        </p:spPr>
+        <p:style>
+          <a:lnRef idx="1">
+            <a:schemeClr val="accent1"/>
+          </a:lnRef>
+          <a:fillRef idx="0">
+            <a:schemeClr val="accent1"/>
+          </a:fillRef>
+          <a:effectRef idx="0">
+            <a:schemeClr val="accent1"/>
+          </a:effectRef>
+          <a:fontRef idx="minor">
+            <a:schemeClr val="tx1"/>
+          </a:fontRef>
+        </p:style>
+      </p:cxnSp>
+    </p:spTree>
+    <p:extLst>
+      <p:ext uri="{BB962C8B-B14F-4D97-AF65-F5344CB8AC3E}">
+        <p14:creationId xmlns:p14="http://schemas.microsoft.com/office/powerpoint/2010/main" val="874289941"/>
+      </p:ext>
+    </p:extLst>
+  </p:cSld>
+  <p:clrMapOvr>
+    <a:masterClrMapping/>
+  </p:clrMapOvr>
+</p:sld>
+</file>
+
+<file path=ppt/slides/slide7.xml><?xml version="1.0" encoding="utf-8"?>
+<p:sld xmlns:a="http://schemas.openxmlformats.org/drawingml/2006/main" xmlns:r="http://schemas.openxmlformats.org/officeDocument/2006/relationships" xmlns:p="http://schemas.openxmlformats.org/presentationml/2006/main">
+  <p:cSld>
+    <p:spTree>
+      <p:nvGrpSpPr>
+        <p:cNvPr id="1" name=""/>
+        <p:cNvGrpSpPr/>
+        <p:nvPr/>
+      </p:nvGrpSpPr>
+      <p:grpSpPr>
+        <a:xfrm>
+          <a:off x="0" y="0"/>
+          <a:ext cx="0" cy="0"/>
+          <a:chOff x="0" y="0"/>
+          <a:chExt cx="0" cy="0"/>
+        </a:xfrm>
+      </p:grpSpPr>
+      <p:sp>
+        <p:nvSpPr>
+          <p:cNvPr id="4" name="제목 1">
+            <a:extLst>
+              <a:ext uri="{FF2B5EF4-FFF2-40B4-BE49-F238E27FC236}">
+                <a16:creationId xmlns:a16="http://schemas.microsoft.com/office/drawing/2014/main" id="{91AD3464-BB9F-E4E4-8652-56FF5BE3F606}"/>
+              </a:ext>
+            </a:extLst>
+          </p:cNvPr>
+          <p:cNvSpPr txBox="1">
+            <a:spLocks/>
+          </p:cNvSpPr>
+          <p:nvPr/>
+        </p:nvSpPr>
+        <p:spPr>
+          <a:xfrm>
+            <a:off x="276225" y="60960"/>
+            <a:ext cx="7105650" cy="510379"/>
+          </a:xfrm>
+          <a:prstGeom prst="rect">
+            <a:avLst/>
+          </a:prstGeom>
+        </p:spPr>
+        <p:txBody>
+          <a:bodyPr anchor="ctr"/>
+          <a:lstStyle>
+            <a:lvl1pPr algn="r" defTabSz="914400" rtl="0" eaLnBrk="1" latinLnBrk="1" hangingPunct="1">
+              <a:lnSpc>
+                <a:spcPct val="90000"/>
+              </a:lnSpc>
+              <a:spcBef>
+                <a:spcPct val="0"/>
+              </a:spcBef>
+              <a:buNone/>
+              <a:defRPr sz="2000" b="0" i="0" kern="1200">
+                <a:solidFill>
+                  <a:schemeClr val="bg1"/>
+                </a:solidFill>
+                <a:latin typeface="+mj-lt"/>
+                <a:ea typeface="빛의 계승자 Bold" panose="020B0600000101010101"/>
+                <a:cs typeface="+mj-cs"/>
+              </a:defRPr>
+            </a:lvl1pPr>
+          </a:lstStyle>
+          <a:p>
+            <a:pPr algn="l"/>
+            <a:r>
+              <a:rPr lang="ko-KR" altLang="en-US" sz="2400" b="1" dirty="0">
+                <a:latin typeface="나눔스퀘어_ac Light" panose="020B0600000101010101" pitchFamily="50" charset="-127"/>
+                <a:ea typeface="나눔스퀘어_ac Light" panose="020B0600000101010101" pitchFamily="50" charset="-127"/>
+                <a:cs typeface="+mn-cs"/>
+              </a:rPr>
               <a:t>로비 내 배치 캐릭터 특수 상호작용 플로우 </a:t>
             </a:r>
             <a:r>
@@ -9626,9 +12128,9 @@
         <p:grpSpPr>
           <a:xfrm>
             <a:off x="1789607" y="755676"/>
-            <a:ext cx="8612786" cy="5828749"/>
+            <a:ext cx="9882928" cy="5828749"/>
             <a:chOff x="385163" y="819176"/>
-            <a:chExt cx="8612786" cy="5828749"/>
+            <a:chExt cx="9882928" cy="5828749"/>
           </a:xfrm>
         </p:grpSpPr>
         <p:sp>
@@ -13709,69 +16211,6 @@
         </p:cxnSp>
         <p:sp>
           <p:nvSpPr>
-            <p:cNvPr id="1236" name="직사각형 1235">
-              <a:extLst>
-                <a:ext uri="{FF2B5EF4-FFF2-40B4-BE49-F238E27FC236}">
-                  <a16:creationId xmlns:a16="http://schemas.microsoft.com/office/drawing/2014/main" id="{D8F3DB8A-F0B3-1D45-F5DF-33F069465108}"/>
-                </a:ext>
-              </a:extLst>
-            </p:cNvPr>
-            <p:cNvSpPr/>
-            <p:nvPr/>
-          </p:nvSpPr>
-          <p:spPr>
-            <a:xfrm>
-              <a:off x="7644884" y="1855629"/>
-              <a:ext cx="1273691" cy="276482"/>
-            </a:xfrm>
-            <a:prstGeom prst="rect">
-              <a:avLst/>
-            </a:prstGeom>
-            <a:solidFill>
-              <a:schemeClr val="accent6"/>
-            </a:solidFill>
-            <a:ln w="12700">
-              <a:solidFill>
-                <a:schemeClr val="bg1"/>
-              </a:solidFill>
-            </a:ln>
-          </p:spPr>
-          <p:style>
-            <a:lnRef idx="2">
-              <a:schemeClr val="accent1">
-                <a:shade val="50000"/>
-              </a:schemeClr>
-            </a:lnRef>
-            <a:fillRef idx="1">
-              <a:schemeClr val="accent1"/>
-            </a:fillRef>
-            <a:effectRef idx="0">
-              <a:schemeClr val="accent1"/>
-            </a:effectRef>
-            <a:fontRef idx="minor">
-              <a:schemeClr val="lt1"/>
-            </a:fontRef>
-          </p:style>
-          <p:txBody>
-            <a:bodyPr lIns="0" tIns="0" rIns="0" bIns="0" rtlCol="0" anchor="ctr"/>
-            <a:lstStyle/>
-            <a:p>
-              <a:pPr algn="ctr"/>
-              <a:r>
-                <a:rPr lang="ko-KR" altLang="en-US" sz="700" b="1" dirty="0">
-                  <a:solidFill>
-                    <a:prstClr val="black"/>
-                  </a:solidFill>
-                  <a:latin typeface="나눔스퀘어_ac Light" panose="020B0600000101010101" pitchFamily="50" charset="-127"/>
-                  <a:ea typeface="나눔스퀘어_ac Light" panose="020B0600000101010101" pitchFamily="50" charset="-127"/>
-                </a:rPr>
-                <a:t>가장 높은 우선순위 특수 대사 </a:t>
-              </a:r>
-            </a:p>
-          </p:txBody>
-        </p:sp>
-        <p:sp>
-          <p:nvSpPr>
             <p:cNvPr id="1237" name="직사각형 1236">
               <a:extLst>
                 <a:ext uri="{FF2B5EF4-FFF2-40B4-BE49-F238E27FC236}">
@@ -13784,7 +16223,7 @@
           </p:nvSpPr>
           <p:spPr>
             <a:xfrm>
-              <a:off x="7644884" y="2202636"/>
+              <a:off x="7644884" y="1819723"/>
               <a:ext cx="1273691" cy="276482"/>
             </a:xfrm>
             <a:prstGeom prst="rect">
@@ -13833,58 +16272,6 @@
             </a:p>
           </p:txBody>
         </p:sp>
-        <p:sp>
-          <p:nvSpPr>
-            <p:cNvPr id="1238" name="직사각형 1237">
-              <a:extLst>
-                <a:ext uri="{FF2B5EF4-FFF2-40B4-BE49-F238E27FC236}">
-                  <a16:creationId xmlns:a16="http://schemas.microsoft.com/office/drawing/2014/main" id="{359AE53A-EB61-1616-D932-C062B97DBA83}"/>
-                </a:ext>
-              </a:extLst>
-            </p:cNvPr>
-            <p:cNvSpPr/>
-            <p:nvPr/>
-          </p:nvSpPr>
-          <p:spPr>
-            <a:xfrm>
-              <a:off x="7581899" y="1800907"/>
-              <a:ext cx="1416050" cy="744217"/>
-            </a:xfrm>
-            <a:prstGeom prst="rect">
-              <a:avLst/>
-            </a:prstGeom>
-            <a:noFill/>
-            <a:ln w="9525">
-              <a:solidFill>
-                <a:srgbClr val="FF0000"/>
-              </a:solidFill>
-            </a:ln>
-          </p:spPr>
-          <p:style>
-            <a:lnRef idx="2">
-              <a:schemeClr val="accent1">
-                <a:shade val="50000"/>
-              </a:schemeClr>
-            </a:lnRef>
-            <a:fillRef idx="1">
-              <a:schemeClr val="accent1"/>
-            </a:fillRef>
-            <a:effectRef idx="0">
-              <a:schemeClr val="accent1"/>
-            </a:effectRef>
-            <a:fontRef idx="minor">
-              <a:schemeClr val="lt1"/>
-            </a:fontRef>
-          </p:style>
-          <p:txBody>
-            <a:bodyPr rtlCol="0" anchor="ctr"/>
-            <a:lstStyle/>
-            <a:p>
-              <a:pPr algn="ctr"/>
-              <a:endParaRPr lang="ko-KR" altLang="en-US"/>
-            </a:p>
-          </p:txBody>
-        </p:sp>
         <p:cxnSp>
           <p:nvCxnSpPr>
             <p:cNvPr id="1239" name="직선 화살표 연결선 27">
@@ -13897,7 +16284,6 @@
             <p:cNvCxnSpPr>
               <a:cxnSpLocks/>
               <a:stCxn id="1217" idx="2"/>
-              <a:endCxn id="1238" idx="0"/>
             </p:cNvCxnSpPr>
             <p:nvPr/>
           </p:nvCxnSpPr>
@@ -13905,6 +16291,232 @@
             <a:xfrm>
               <a:off x="8288081" y="1585636"/>
               <a:ext cx="1843" cy="215271"/>
+            </a:xfrm>
+            <a:prstGeom prst="straightConnector1">
+              <a:avLst/>
+            </a:prstGeom>
+            <a:ln w="12700">
+              <a:solidFill>
+                <a:schemeClr val="bg1"/>
+              </a:solidFill>
+              <a:tailEnd type="triangle"/>
+            </a:ln>
+          </p:spPr>
+          <p:style>
+            <a:lnRef idx="1">
+              <a:schemeClr val="accent1"/>
+            </a:lnRef>
+            <a:fillRef idx="0">
+              <a:schemeClr val="accent1"/>
+            </a:fillRef>
+            <a:effectRef idx="0">
+              <a:schemeClr val="accent1"/>
+            </a:effectRef>
+            <a:fontRef idx="minor">
+              <a:schemeClr val="tx1"/>
+            </a:fontRef>
+          </p:style>
+        </p:cxnSp>
+        <p:sp>
+          <p:nvSpPr>
+            <p:cNvPr id="6" name="직사각형 5">
+              <a:extLst>
+                <a:ext uri="{FF2B5EF4-FFF2-40B4-BE49-F238E27FC236}">
+                  <a16:creationId xmlns:a16="http://schemas.microsoft.com/office/drawing/2014/main" id="{74DE8FE7-50C3-3240-C7E5-8B045F09D5B1}"/>
+                </a:ext>
+              </a:extLst>
+            </p:cNvPr>
+            <p:cNvSpPr/>
+            <p:nvPr/>
+          </p:nvSpPr>
+          <p:spPr>
+            <a:xfrm>
+              <a:off x="667019" y="1719519"/>
+              <a:ext cx="594186" cy="188841"/>
+            </a:xfrm>
+            <a:prstGeom prst="rect">
+              <a:avLst/>
+            </a:prstGeom>
+            <a:solidFill>
+              <a:srgbClr val="FFFF00"/>
+            </a:solidFill>
+            <a:ln w="12700">
+              <a:solidFill>
+                <a:schemeClr val="bg1"/>
+              </a:solidFill>
+            </a:ln>
+          </p:spPr>
+          <p:style>
+            <a:lnRef idx="2">
+              <a:schemeClr val="accent1">
+                <a:shade val="50000"/>
+              </a:schemeClr>
+            </a:lnRef>
+            <a:fillRef idx="1">
+              <a:schemeClr val="accent1"/>
+            </a:fillRef>
+            <a:effectRef idx="0">
+              <a:schemeClr val="accent1"/>
+            </a:effectRef>
+            <a:fontRef idx="minor">
+              <a:schemeClr val="lt1"/>
+            </a:fontRef>
+          </p:style>
+          <p:txBody>
+            <a:bodyPr lIns="0" tIns="0" rIns="0" bIns="0" rtlCol="0" anchor="ctr"/>
+            <a:lstStyle/>
+            <a:p>
+              <a:pPr algn="ctr"/>
+              <a:r>
+                <a:rPr lang="ko-KR" altLang="en-US" sz="700" b="1" dirty="0">
+                  <a:solidFill>
+                    <a:prstClr val="black"/>
+                  </a:solidFill>
+                  <a:latin typeface="나눔스퀘어_ac Light" panose="020B0600000101010101" pitchFamily="50" charset="-127"/>
+                  <a:ea typeface="나눔스퀘어_ac Light" panose="020B0600000101010101" pitchFamily="50" charset="-127"/>
+                </a:rPr>
+                <a:t>기타 설명</a:t>
+              </a:r>
+              <a:endParaRPr lang="ko-KR" altLang="en-US" sz="1400" b="1" dirty="0"/>
+            </a:p>
+          </p:txBody>
+        </p:sp>
+        <p:sp>
+          <p:nvSpPr>
+            <p:cNvPr id="13" name="직사각형 12">
+              <a:extLst>
+                <a:ext uri="{FF2B5EF4-FFF2-40B4-BE49-F238E27FC236}">
+                  <a16:creationId xmlns:a16="http://schemas.microsoft.com/office/drawing/2014/main" id="{0C919024-C5CB-E41A-65CE-7DEE8EE0C220}"/>
+                </a:ext>
+              </a:extLst>
+            </p:cNvPr>
+            <p:cNvSpPr/>
+            <p:nvPr/>
+          </p:nvSpPr>
+          <p:spPr>
+            <a:xfrm>
+              <a:off x="9110190" y="1244997"/>
+              <a:ext cx="1157901" cy="404797"/>
+            </a:xfrm>
+            <a:prstGeom prst="rect">
+              <a:avLst/>
+            </a:prstGeom>
+            <a:solidFill>
+              <a:srgbClr val="FFFF00"/>
+            </a:solidFill>
+            <a:ln w="12700">
+              <a:solidFill>
+                <a:schemeClr val="bg1"/>
+              </a:solidFill>
+            </a:ln>
+          </p:spPr>
+          <p:style>
+            <a:lnRef idx="2">
+              <a:schemeClr val="accent1">
+                <a:shade val="50000"/>
+              </a:schemeClr>
+            </a:lnRef>
+            <a:fillRef idx="1">
+              <a:schemeClr val="accent1"/>
+            </a:fillRef>
+            <a:effectRef idx="0">
+              <a:schemeClr val="accent1"/>
+            </a:effectRef>
+            <a:fontRef idx="minor">
+              <a:schemeClr val="lt1"/>
+            </a:fontRef>
+          </p:style>
+          <p:txBody>
+            <a:bodyPr lIns="0" tIns="0" rIns="0" bIns="0" rtlCol="0" anchor="ctr"/>
+            <a:lstStyle/>
+            <a:p>
+              <a:pPr marL="228600" indent="-228600">
+                <a:buAutoNum type="arabicPeriod"/>
+              </a:pPr>
+              <a:r>
+                <a:rPr lang="ko-KR" altLang="en-US" sz="700" b="1" dirty="0">
+                  <a:solidFill>
+                    <a:prstClr val="black"/>
+                  </a:solidFill>
+                  <a:latin typeface="나눔스퀘어_ac Light" panose="020B0600000101010101" pitchFamily="50" charset="-127"/>
+                  <a:ea typeface="나눔스퀘어_ac Light" panose="020B0600000101010101" pitchFamily="50" charset="-127"/>
+                </a:rPr>
+                <a:t>일정 호감도 레벨 달성 시 </a:t>
+              </a:r>
+              <a:endParaRPr lang="en-US" altLang="ko-KR" sz="700" b="1" dirty="0">
+                <a:solidFill>
+                  <a:prstClr val="black"/>
+                </a:solidFill>
+                <a:latin typeface="나눔스퀘어_ac Light" panose="020B0600000101010101" pitchFamily="50" charset="-127"/>
+                <a:ea typeface="나눔스퀘어_ac Light" panose="020B0600000101010101" pitchFamily="50" charset="-127"/>
+              </a:endParaRPr>
+            </a:p>
+            <a:p>
+              <a:pPr marL="228600" indent="-228600">
+                <a:buAutoNum type="arabicPeriod"/>
+              </a:pPr>
+              <a:r>
+                <a:rPr lang="ko-KR" altLang="en-US" sz="700" b="1" dirty="0">
+                  <a:solidFill>
+                    <a:prstClr val="black"/>
+                  </a:solidFill>
+                  <a:latin typeface="나눔스퀘어_ac Light" panose="020B0600000101010101" pitchFamily="50" charset="-127"/>
+                  <a:ea typeface="나눔스퀘어_ac Light" panose="020B0600000101010101" pitchFamily="50" charset="-127"/>
+                </a:rPr>
+                <a:t>특정 캐릭터 동시 배치</a:t>
+              </a:r>
+              <a:endParaRPr lang="en-US" altLang="ko-KR" sz="700" b="1" dirty="0">
+                <a:solidFill>
+                  <a:prstClr val="black"/>
+                </a:solidFill>
+                <a:latin typeface="나눔스퀘어_ac Light" panose="020B0600000101010101" pitchFamily="50" charset="-127"/>
+                <a:ea typeface="나눔스퀘어_ac Light" panose="020B0600000101010101" pitchFamily="50" charset="-127"/>
+              </a:endParaRPr>
+            </a:p>
+            <a:p>
+              <a:pPr marL="228600" indent="-228600">
+                <a:buAutoNum type="arabicPeriod"/>
+              </a:pPr>
+              <a:r>
+                <a:rPr lang="ko-KR" altLang="en-US" sz="700" b="1" dirty="0">
+                  <a:solidFill>
+                    <a:prstClr val="black"/>
+                  </a:solidFill>
+                  <a:latin typeface="나눔스퀘어_ac Light" panose="020B0600000101010101" pitchFamily="50" charset="-127"/>
+                  <a:ea typeface="나눔스퀘어_ac Light" panose="020B0600000101010101" pitchFamily="50" charset="-127"/>
+                </a:rPr>
+                <a:t>특정 세계관 해금</a:t>
+              </a:r>
+              <a:endParaRPr lang="en-US" altLang="ko-KR" sz="700" b="1" dirty="0">
+                <a:solidFill>
+                  <a:prstClr val="black"/>
+                </a:solidFill>
+                <a:latin typeface="나눔스퀘어_ac Light" panose="020B0600000101010101" pitchFamily="50" charset="-127"/>
+                <a:ea typeface="나눔스퀘어_ac Light" panose="020B0600000101010101" pitchFamily="50" charset="-127"/>
+              </a:endParaRPr>
+            </a:p>
+          </p:txBody>
+        </p:sp>
+        <p:cxnSp>
+          <p:nvCxnSpPr>
+            <p:cNvPr id="16" name="직선 화살표 연결선 27">
+              <a:extLst>
+                <a:ext uri="{FF2B5EF4-FFF2-40B4-BE49-F238E27FC236}">
+                  <a16:creationId xmlns:a16="http://schemas.microsoft.com/office/drawing/2014/main" id="{23AE176F-32EF-AC81-23E9-180904B3171B}"/>
+                </a:ext>
+              </a:extLst>
+            </p:cNvPr>
+            <p:cNvCxnSpPr>
+              <a:cxnSpLocks/>
+              <a:stCxn id="1217" idx="3"/>
+              <a:endCxn id="13" idx="1"/>
+            </p:cNvCxnSpPr>
+            <p:nvPr/>
+          </p:nvCxnSpPr>
+          <p:spPr>
+            <a:xfrm>
+              <a:off x="8924926" y="1447395"/>
+              <a:ext cx="185264" cy="1"/>
             </a:xfrm>
             <a:prstGeom prst="straightConnector1">
               <a:avLst/>
